--- a/Slides/26. Funções com Strings e Registros.pptx
+++ b/Slides/26. Funções com Strings e Registros.pptx
@@ -160,8 +160,7 @@
 <file path=ppt/revisionInfo.xml><?xml version="1.0" encoding="utf-8"?>
 <p1510:revInfo xmlns:a="http://schemas.openxmlformats.org/drawingml/2006/main" xmlns:r="http://schemas.openxmlformats.org/officeDocument/2006/relationships" xmlns:p1510="http://schemas.microsoft.com/office/powerpoint/2015/10/main">
   <p1510:revLst>
-    <p1510:client id="{696C60AD-2426-40D3-98B1-73CE8C746B88}" v="15" dt="2021-05-08T21:24:24.541"/>
-    <p1510:client id="{C663CFDD-5424-490F-9F5E-12414F28D2D3}" v="20" dt="2021-05-08T20:07:13.080"/>
+    <p1510:client id="{A19D161D-947B-42B7-B71E-BEE1278B5322}" v="52" dt="2021-05-29T16:59:56.962"/>
   </p1510:revLst>
 </p1510:revInfo>
 </file>
@@ -649,6 +648,519 @@
             <ac:spMk id="11" creationId="{739505AD-5792-4FEC-86F3-0761815ECC80}"/>
           </ac:spMkLst>
         </pc:spChg>
+      </pc:sldChg>
+    </pc:docChg>
+  </pc:docChgLst>
+  <pc:docChgLst>
+    <pc:chgData name="Judson Santiago" userId="ebb108da2f256286" providerId="LiveId" clId="{A19D161D-947B-42B7-B71E-BEE1278B5322}"/>
+    <pc:docChg chg="modSld">
+      <pc:chgData name="Judson Santiago" userId="ebb108da2f256286" providerId="LiveId" clId="{A19D161D-947B-42B7-B71E-BEE1278B5322}" dt="2021-05-29T17:21:07.909" v="242" actId="207"/>
+      <pc:docMkLst>
+        <pc:docMk/>
+      </pc:docMkLst>
+      <pc:sldChg chg="addSp modSp mod">
+        <pc:chgData name="Judson Santiago" userId="ebb108da2f256286" providerId="LiveId" clId="{A19D161D-947B-42B7-B71E-BEE1278B5322}" dt="2021-05-29T16:41:08.965" v="87"/>
+        <pc:sldMkLst>
+          <pc:docMk/>
+          <pc:sldMk cId="1225718414" sldId="265"/>
+        </pc:sldMkLst>
+        <pc:spChg chg="mod">
+          <ac:chgData name="Judson Santiago" userId="ebb108da2f256286" providerId="LiveId" clId="{A19D161D-947B-42B7-B71E-BEE1278B5322}" dt="2021-05-29T16:40:02.908" v="86" actId="20577"/>
+          <ac:spMkLst>
+            <pc:docMk/>
+            <pc:sldMk cId="1225718414" sldId="265"/>
+            <ac:spMk id="4" creationId="{00000000-0000-0000-0000-000000000000}"/>
+          </ac:spMkLst>
+        </pc:spChg>
+        <pc:spChg chg="add mod">
+          <ac:chgData name="Judson Santiago" userId="ebb108da2f256286" providerId="LiveId" clId="{A19D161D-947B-42B7-B71E-BEE1278B5322}" dt="2021-05-29T16:41:08.965" v="87"/>
+          <ac:spMkLst>
+            <pc:docMk/>
+            <pc:sldMk cId="1225718414" sldId="265"/>
+            <ac:spMk id="7" creationId="{331CA5EA-54A6-452E-A442-5FE33134D446}"/>
+          </ac:spMkLst>
+        </pc:spChg>
+      </pc:sldChg>
+      <pc:sldChg chg="addSp delSp modSp mod modAnim">
+        <pc:chgData name="Judson Santiago" userId="ebb108da2f256286" providerId="LiveId" clId="{A19D161D-947B-42B7-B71E-BEE1278B5322}" dt="2021-05-29T16:57:22.971" v="225"/>
+        <pc:sldMkLst>
+          <pc:docMk/>
+          <pc:sldMk cId="2400000070" sldId="269"/>
+        </pc:sldMkLst>
+        <pc:spChg chg="add mod">
+          <ac:chgData name="Judson Santiago" userId="ebb108da2f256286" providerId="LiveId" clId="{A19D161D-947B-42B7-B71E-BEE1278B5322}" dt="2021-05-29T16:53:35.975" v="174" actId="164"/>
+          <ac:spMkLst>
+            <pc:docMk/>
+            <pc:sldMk cId="2400000070" sldId="269"/>
+            <ac:spMk id="3" creationId="{7143C737-25B7-485B-B6F9-7C56C895AE5B}"/>
+          </ac:spMkLst>
+        </pc:spChg>
+        <pc:spChg chg="mod topLvl">
+          <ac:chgData name="Judson Santiago" userId="ebb108da2f256286" providerId="LiveId" clId="{A19D161D-947B-42B7-B71E-BEE1278B5322}" dt="2021-05-29T16:53:35.975" v="174" actId="164"/>
+          <ac:spMkLst>
+            <pc:docMk/>
+            <pc:sldMk cId="2400000070" sldId="269"/>
+            <ac:spMk id="13" creationId="{C9D62BE2-B895-4E84-A1A2-04921AC69DFB}"/>
+          </ac:spMkLst>
+        </pc:spChg>
+        <pc:spChg chg="mod topLvl">
+          <ac:chgData name="Judson Santiago" userId="ebb108da2f256286" providerId="LiveId" clId="{A19D161D-947B-42B7-B71E-BEE1278B5322}" dt="2021-05-29T16:53:35.975" v="174" actId="164"/>
+          <ac:spMkLst>
+            <pc:docMk/>
+            <pc:sldMk cId="2400000070" sldId="269"/>
+            <ac:spMk id="14" creationId="{ECD92CD4-3B14-46EA-A4B7-C29C2D85C58F}"/>
+          </ac:spMkLst>
+        </pc:spChg>
+        <pc:spChg chg="mod topLvl">
+          <ac:chgData name="Judson Santiago" userId="ebb108da2f256286" providerId="LiveId" clId="{A19D161D-947B-42B7-B71E-BEE1278B5322}" dt="2021-05-29T16:53:35.975" v="174" actId="164"/>
+          <ac:spMkLst>
+            <pc:docMk/>
+            <pc:sldMk cId="2400000070" sldId="269"/>
+            <ac:spMk id="15" creationId="{D3ACF093-E55F-44FC-9096-9FBE65BB442E}"/>
+          </ac:spMkLst>
+        </pc:spChg>
+        <pc:spChg chg="mod topLvl">
+          <ac:chgData name="Judson Santiago" userId="ebb108da2f256286" providerId="LiveId" clId="{A19D161D-947B-42B7-B71E-BEE1278B5322}" dt="2021-05-29T16:53:35.975" v="174" actId="164"/>
+          <ac:spMkLst>
+            <pc:docMk/>
+            <pc:sldMk cId="2400000070" sldId="269"/>
+            <ac:spMk id="16" creationId="{2ACB4A7F-7D37-4956-9271-03548B6EFB04}"/>
+          </ac:spMkLst>
+        </pc:spChg>
+        <pc:spChg chg="mod topLvl">
+          <ac:chgData name="Judson Santiago" userId="ebb108da2f256286" providerId="LiveId" clId="{A19D161D-947B-42B7-B71E-BEE1278B5322}" dt="2021-05-29T16:53:35.975" v="174" actId="164"/>
+          <ac:spMkLst>
+            <pc:docMk/>
+            <pc:sldMk cId="2400000070" sldId="269"/>
+            <ac:spMk id="17" creationId="{96170130-AB3E-473F-BD9E-923A9E28AABB}"/>
+          </ac:spMkLst>
+        </pc:spChg>
+        <pc:spChg chg="mod topLvl">
+          <ac:chgData name="Judson Santiago" userId="ebb108da2f256286" providerId="LiveId" clId="{A19D161D-947B-42B7-B71E-BEE1278B5322}" dt="2021-05-29T16:53:35.975" v="174" actId="164"/>
+          <ac:spMkLst>
+            <pc:docMk/>
+            <pc:sldMk cId="2400000070" sldId="269"/>
+            <ac:spMk id="18" creationId="{4F5A1660-27C8-49AD-BA06-CE4071B4D3B1}"/>
+          </ac:spMkLst>
+        </pc:spChg>
+        <pc:spChg chg="mod topLvl">
+          <ac:chgData name="Judson Santiago" userId="ebb108da2f256286" providerId="LiveId" clId="{A19D161D-947B-42B7-B71E-BEE1278B5322}" dt="2021-05-29T16:53:35.975" v="174" actId="164"/>
+          <ac:spMkLst>
+            <pc:docMk/>
+            <pc:sldMk cId="2400000070" sldId="269"/>
+            <ac:spMk id="19" creationId="{6D93184F-308B-4303-B31C-A1023E364E22}"/>
+          </ac:spMkLst>
+        </pc:spChg>
+        <pc:spChg chg="mod topLvl">
+          <ac:chgData name="Judson Santiago" userId="ebb108da2f256286" providerId="LiveId" clId="{A19D161D-947B-42B7-B71E-BEE1278B5322}" dt="2021-05-29T16:53:35.975" v="174" actId="164"/>
+          <ac:spMkLst>
+            <pc:docMk/>
+            <pc:sldMk cId="2400000070" sldId="269"/>
+            <ac:spMk id="20" creationId="{ED95E277-23F4-4FC8-9F55-307EF15A718D}"/>
+          </ac:spMkLst>
+        </pc:spChg>
+        <pc:spChg chg="mod topLvl">
+          <ac:chgData name="Judson Santiago" userId="ebb108da2f256286" providerId="LiveId" clId="{A19D161D-947B-42B7-B71E-BEE1278B5322}" dt="2021-05-29T16:53:35.975" v="174" actId="164"/>
+          <ac:spMkLst>
+            <pc:docMk/>
+            <pc:sldMk cId="2400000070" sldId="269"/>
+            <ac:spMk id="21" creationId="{B01460E3-D792-40E9-A31D-FA389542BE7E}"/>
+          </ac:spMkLst>
+        </pc:spChg>
+        <pc:spChg chg="mod topLvl">
+          <ac:chgData name="Judson Santiago" userId="ebb108da2f256286" providerId="LiveId" clId="{A19D161D-947B-42B7-B71E-BEE1278B5322}" dt="2021-05-29T16:53:35.975" v="174" actId="164"/>
+          <ac:spMkLst>
+            <pc:docMk/>
+            <pc:sldMk cId="2400000070" sldId="269"/>
+            <ac:spMk id="22" creationId="{900F844E-67B3-41FC-BBBE-42F952537ED8}"/>
+          </ac:spMkLst>
+        </pc:spChg>
+        <pc:spChg chg="mod topLvl">
+          <ac:chgData name="Judson Santiago" userId="ebb108da2f256286" providerId="LiveId" clId="{A19D161D-947B-42B7-B71E-BEE1278B5322}" dt="2021-05-29T16:53:35.975" v="174" actId="164"/>
+          <ac:spMkLst>
+            <pc:docMk/>
+            <pc:sldMk cId="2400000070" sldId="269"/>
+            <ac:spMk id="23" creationId="{100D8FEB-6C06-4C4B-897C-7E872D2B8E59}"/>
+          </ac:spMkLst>
+        </pc:spChg>
+        <pc:spChg chg="mod topLvl">
+          <ac:chgData name="Judson Santiago" userId="ebb108da2f256286" providerId="LiveId" clId="{A19D161D-947B-42B7-B71E-BEE1278B5322}" dt="2021-05-29T16:53:35.975" v="174" actId="164"/>
+          <ac:spMkLst>
+            <pc:docMk/>
+            <pc:sldMk cId="2400000070" sldId="269"/>
+            <ac:spMk id="24" creationId="{BB38A1C1-B29D-470A-98DF-41203B7DDC60}"/>
+          </ac:spMkLst>
+        </pc:spChg>
+        <pc:spChg chg="mod topLvl">
+          <ac:chgData name="Judson Santiago" userId="ebb108da2f256286" providerId="LiveId" clId="{A19D161D-947B-42B7-B71E-BEE1278B5322}" dt="2021-05-29T16:53:35.975" v="174" actId="164"/>
+          <ac:spMkLst>
+            <pc:docMk/>
+            <pc:sldMk cId="2400000070" sldId="269"/>
+            <ac:spMk id="25" creationId="{79832FCB-A216-4C23-AA60-3FB00999D61D}"/>
+          </ac:spMkLst>
+        </pc:spChg>
+        <pc:spChg chg="mod topLvl">
+          <ac:chgData name="Judson Santiago" userId="ebb108da2f256286" providerId="LiveId" clId="{A19D161D-947B-42B7-B71E-BEE1278B5322}" dt="2021-05-29T16:53:35.975" v="174" actId="164"/>
+          <ac:spMkLst>
+            <pc:docMk/>
+            <pc:sldMk cId="2400000070" sldId="269"/>
+            <ac:spMk id="26" creationId="{8766A206-DD26-40F1-BD40-128A8D71706E}"/>
+          </ac:spMkLst>
+        </pc:spChg>
+        <pc:spChg chg="mod topLvl">
+          <ac:chgData name="Judson Santiago" userId="ebb108da2f256286" providerId="LiveId" clId="{A19D161D-947B-42B7-B71E-BEE1278B5322}" dt="2021-05-29T16:53:35.975" v="174" actId="164"/>
+          <ac:spMkLst>
+            <pc:docMk/>
+            <pc:sldMk cId="2400000070" sldId="269"/>
+            <ac:spMk id="27" creationId="{22F1B96F-9877-48E5-93C5-A2067C211BAB}"/>
+          </ac:spMkLst>
+        </pc:spChg>
+        <pc:spChg chg="mod topLvl">
+          <ac:chgData name="Judson Santiago" userId="ebb108da2f256286" providerId="LiveId" clId="{A19D161D-947B-42B7-B71E-BEE1278B5322}" dt="2021-05-29T16:53:35.975" v="174" actId="164"/>
+          <ac:spMkLst>
+            <pc:docMk/>
+            <pc:sldMk cId="2400000070" sldId="269"/>
+            <ac:spMk id="28" creationId="{550A9096-768A-46E2-835B-96E7E2ED0099}"/>
+          </ac:spMkLst>
+        </pc:spChg>
+        <pc:spChg chg="add mod topLvl">
+          <ac:chgData name="Judson Santiago" userId="ebb108da2f256286" providerId="LiveId" clId="{A19D161D-947B-42B7-B71E-BEE1278B5322}" dt="2021-05-29T16:53:35.975" v="174" actId="164"/>
+          <ac:spMkLst>
+            <pc:docMk/>
+            <pc:sldMk cId="2400000070" sldId="269"/>
+            <ac:spMk id="29" creationId="{7796A66E-E005-43E5-8CE4-ACD047F67BA1}"/>
+          </ac:spMkLst>
+        </pc:spChg>
+        <pc:spChg chg="add mod topLvl">
+          <ac:chgData name="Judson Santiago" userId="ebb108da2f256286" providerId="LiveId" clId="{A19D161D-947B-42B7-B71E-BEE1278B5322}" dt="2021-05-29T16:53:35.975" v="174" actId="164"/>
+          <ac:spMkLst>
+            <pc:docMk/>
+            <pc:sldMk cId="2400000070" sldId="269"/>
+            <ac:spMk id="30" creationId="{8DD1BD15-DF8E-45BC-9D43-591EF2ED8BC5}"/>
+          </ac:spMkLst>
+        </pc:spChg>
+        <pc:spChg chg="add mod topLvl">
+          <ac:chgData name="Judson Santiago" userId="ebb108da2f256286" providerId="LiveId" clId="{A19D161D-947B-42B7-B71E-BEE1278B5322}" dt="2021-05-29T16:53:35.975" v="174" actId="164"/>
+          <ac:spMkLst>
+            <pc:docMk/>
+            <pc:sldMk cId="2400000070" sldId="269"/>
+            <ac:spMk id="31" creationId="{13B7E3FF-747D-4B47-9E5D-9E62A55A9498}"/>
+          </ac:spMkLst>
+        </pc:spChg>
+        <pc:spChg chg="add mod topLvl">
+          <ac:chgData name="Judson Santiago" userId="ebb108da2f256286" providerId="LiveId" clId="{A19D161D-947B-42B7-B71E-BEE1278B5322}" dt="2021-05-29T16:53:35.975" v="174" actId="164"/>
+          <ac:spMkLst>
+            <pc:docMk/>
+            <pc:sldMk cId="2400000070" sldId="269"/>
+            <ac:spMk id="32" creationId="{37D593DE-D01B-440D-A1F9-3406413FE00D}"/>
+          </ac:spMkLst>
+        </pc:spChg>
+        <pc:spChg chg="add mod topLvl">
+          <ac:chgData name="Judson Santiago" userId="ebb108da2f256286" providerId="LiveId" clId="{A19D161D-947B-42B7-B71E-BEE1278B5322}" dt="2021-05-29T16:54:13.544" v="177" actId="207"/>
+          <ac:spMkLst>
+            <pc:docMk/>
+            <pc:sldMk cId="2400000070" sldId="269"/>
+            <ac:spMk id="33" creationId="{F7DD5389-1324-4E4A-AC1A-5D5DA058BBCD}"/>
+          </ac:spMkLst>
+        </pc:spChg>
+        <pc:spChg chg="add mod topLvl">
+          <ac:chgData name="Judson Santiago" userId="ebb108da2f256286" providerId="LiveId" clId="{A19D161D-947B-42B7-B71E-BEE1278B5322}" dt="2021-05-29T16:55:06.227" v="188" actId="207"/>
+          <ac:spMkLst>
+            <pc:docMk/>
+            <pc:sldMk cId="2400000070" sldId="269"/>
+            <ac:spMk id="34" creationId="{C591A940-8AC2-4D70-BF2A-FD2CA828CB01}"/>
+          </ac:spMkLst>
+        </pc:spChg>
+        <pc:spChg chg="add mod topLvl">
+          <ac:chgData name="Judson Santiago" userId="ebb108da2f256286" providerId="LiveId" clId="{A19D161D-947B-42B7-B71E-BEE1278B5322}" dt="2021-05-29T16:55:06.227" v="188" actId="207"/>
+          <ac:spMkLst>
+            <pc:docMk/>
+            <pc:sldMk cId="2400000070" sldId="269"/>
+            <ac:spMk id="35" creationId="{0E87799B-8D20-47B9-8C4F-A2A1E10D2446}"/>
+          </ac:spMkLst>
+        </pc:spChg>
+        <pc:spChg chg="add mod topLvl">
+          <ac:chgData name="Judson Santiago" userId="ebb108da2f256286" providerId="LiveId" clId="{A19D161D-947B-42B7-B71E-BEE1278B5322}" dt="2021-05-29T16:55:06.227" v="188" actId="207"/>
+          <ac:spMkLst>
+            <pc:docMk/>
+            <pc:sldMk cId="2400000070" sldId="269"/>
+            <ac:spMk id="36" creationId="{7CF6F2DC-A755-4DB7-B8F0-9B68AFDC01AB}"/>
+          </ac:spMkLst>
+        </pc:spChg>
+        <pc:spChg chg="add mod topLvl">
+          <ac:chgData name="Judson Santiago" userId="ebb108da2f256286" providerId="LiveId" clId="{A19D161D-947B-42B7-B71E-BEE1278B5322}" dt="2021-05-29T16:55:06.227" v="188" actId="207"/>
+          <ac:spMkLst>
+            <pc:docMk/>
+            <pc:sldMk cId="2400000070" sldId="269"/>
+            <ac:spMk id="37" creationId="{6B33EFAA-EB67-4DF0-9E36-132335DC698D}"/>
+          </ac:spMkLst>
+        </pc:spChg>
+        <pc:spChg chg="add mod topLvl">
+          <ac:chgData name="Judson Santiago" userId="ebb108da2f256286" providerId="LiveId" clId="{A19D161D-947B-42B7-B71E-BEE1278B5322}" dt="2021-05-29T16:55:06.227" v="188" actId="207"/>
+          <ac:spMkLst>
+            <pc:docMk/>
+            <pc:sldMk cId="2400000070" sldId="269"/>
+            <ac:spMk id="38" creationId="{40C5F7A2-637A-4C6E-A081-8E37EDB80926}"/>
+          </ac:spMkLst>
+        </pc:spChg>
+        <pc:spChg chg="add mod topLvl">
+          <ac:chgData name="Judson Santiago" userId="ebb108da2f256286" providerId="LiveId" clId="{A19D161D-947B-42B7-B71E-BEE1278B5322}" dt="2021-05-29T16:55:06.227" v="188" actId="207"/>
+          <ac:spMkLst>
+            <pc:docMk/>
+            <pc:sldMk cId="2400000070" sldId="269"/>
+            <ac:spMk id="39" creationId="{FD6BF916-2E0B-4A7F-97FE-3D94B4BD6456}"/>
+          </ac:spMkLst>
+        </pc:spChg>
+        <pc:spChg chg="add mod topLvl">
+          <ac:chgData name="Judson Santiago" userId="ebb108da2f256286" providerId="LiveId" clId="{A19D161D-947B-42B7-B71E-BEE1278B5322}" dt="2021-05-29T16:55:06.227" v="188" actId="207"/>
+          <ac:spMkLst>
+            <pc:docMk/>
+            <pc:sldMk cId="2400000070" sldId="269"/>
+            <ac:spMk id="40" creationId="{7BC58AE1-8E45-4237-9B5C-C7B6705971F1}"/>
+          </ac:spMkLst>
+        </pc:spChg>
+        <pc:spChg chg="add mod topLvl">
+          <ac:chgData name="Judson Santiago" userId="ebb108da2f256286" providerId="LiveId" clId="{A19D161D-947B-42B7-B71E-BEE1278B5322}" dt="2021-05-29T16:53:42.633" v="175" actId="164"/>
+          <ac:spMkLst>
+            <pc:docMk/>
+            <pc:sldMk cId="2400000070" sldId="269"/>
+            <ac:spMk id="41" creationId="{11A36A7A-BA3C-4AFC-9E60-E715F945DA11}"/>
+          </ac:spMkLst>
+        </pc:spChg>
+        <pc:spChg chg="add mod topLvl">
+          <ac:chgData name="Judson Santiago" userId="ebb108da2f256286" providerId="LiveId" clId="{A19D161D-947B-42B7-B71E-BEE1278B5322}" dt="2021-05-29T16:53:42.633" v="175" actId="164"/>
+          <ac:spMkLst>
+            <pc:docMk/>
+            <pc:sldMk cId="2400000070" sldId="269"/>
+            <ac:spMk id="42" creationId="{4B387A5A-F7DB-4B73-ACBB-6FF8BBB5F5D2}"/>
+          </ac:spMkLst>
+        </pc:spChg>
+        <pc:spChg chg="add mod topLvl">
+          <ac:chgData name="Judson Santiago" userId="ebb108da2f256286" providerId="LiveId" clId="{A19D161D-947B-42B7-B71E-BEE1278B5322}" dt="2021-05-29T16:53:42.633" v="175" actId="164"/>
+          <ac:spMkLst>
+            <pc:docMk/>
+            <pc:sldMk cId="2400000070" sldId="269"/>
+            <ac:spMk id="43" creationId="{DE988430-292B-4D2E-942E-3505AB393132}"/>
+          </ac:spMkLst>
+        </pc:spChg>
+        <pc:spChg chg="add mod topLvl">
+          <ac:chgData name="Judson Santiago" userId="ebb108da2f256286" providerId="LiveId" clId="{A19D161D-947B-42B7-B71E-BEE1278B5322}" dt="2021-05-29T16:53:42.633" v="175" actId="164"/>
+          <ac:spMkLst>
+            <pc:docMk/>
+            <pc:sldMk cId="2400000070" sldId="269"/>
+            <ac:spMk id="44" creationId="{B28DBE78-F536-4DC7-A4EB-476AF145209F}"/>
+          </ac:spMkLst>
+        </pc:spChg>
+        <pc:spChg chg="add mod topLvl">
+          <ac:chgData name="Judson Santiago" userId="ebb108da2f256286" providerId="LiveId" clId="{A19D161D-947B-42B7-B71E-BEE1278B5322}" dt="2021-05-29T16:53:42.633" v="175" actId="164"/>
+          <ac:spMkLst>
+            <pc:docMk/>
+            <pc:sldMk cId="2400000070" sldId="269"/>
+            <ac:spMk id="45" creationId="{19B0E933-8243-4037-8C59-6B465BABD0ED}"/>
+          </ac:spMkLst>
+        </pc:spChg>
+        <pc:spChg chg="add mod topLvl">
+          <ac:chgData name="Judson Santiago" userId="ebb108da2f256286" providerId="LiveId" clId="{A19D161D-947B-42B7-B71E-BEE1278B5322}" dt="2021-05-29T16:53:42.633" v="175" actId="164"/>
+          <ac:spMkLst>
+            <pc:docMk/>
+            <pc:sldMk cId="2400000070" sldId="269"/>
+            <ac:spMk id="46" creationId="{FBD8E6C1-46CC-4F13-B71E-B32FEF0AD52F}"/>
+          </ac:spMkLst>
+        </pc:spChg>
+        <pc:spChg chg="add mod topLvl">
+          <ac:chgData name="Judson Santiago" userId="ebb108da2f256286" providerId="LiveId" clId="{A19D161D-947B-42B7-B71E-BEE1278B5322}" dt="2021-05-29T16:53:42.633" v="175" actId="164"/>
+          <ac:spMkLst>
+            <pc:docMk/>
+            <pc:sldMk cId="2400000070" sldId="269"/>
+            <ac:spMk id="47" creationId="{160F612C-374F-4545-BD16-B4D7B4F2D4D5}"/>
+          </ac:spMkLst>
+        </pc:spChg>
+        <pc:spChg chg="add mod topLvl">
+          <ac:chgData name="Judson Santiago" userId="ebb108da2f256286" providerId="LiveId" clId="{A19D161D-947B-42B7-B71E-BEE1278B5322}" dt="2021-05-29T16:53:42.633" v="175" actId="164"/>
+          <ac:spMkLst>
+            <pc:docMk/>
+            <pc:sldMk cId="2400000070" sldId="269"/>
+            <ac:spMk id="48" creationId="{054C2475-420B-4820-883D-1D96FE9DB46F}"/>
+          </ac:spMkLst>
+        </pc:spChg>
+        <pc:spChg chg="add mod topLvl">
+          <ac:chgData name="Judson Santiago" userId="ebb108da2f256286" providerId="LiveId" clId="{A19D161D-947B-42B7-B71E-BEE1278B5322}" dt="2021-05-29T16:55:06.227" v="188" actId="207"/>
+          <ac:spMkLst>
+            <pc:docMk/>
+            <pc:sldMk cId="2400000070" sldId="269"/>
+            <ac:spMk id="49" creationId="{516AF542-1E52-405E-8806-5CE1B62DF9A1}"/>
+          </ac:spMkLst>
+        </pc:spChg>
+        <pc:spChg chg="add mod topLvl">
+          <ac:chgData name="Judson Santiago" userId="ebb108da2f256286" providerId="LiveId" clId="{A19D161D-947B-42B7-B71E-BEE1278B5322}" dt="2021-05-29T16:55:06.227" v="188" actId="207"/>
+          <ac:spMkLst>
+            <pc:docMk/>
+            <pc:sldMk cId="2400000070" sldId="269"/>
+            <ac:spMk id="50" creationId="{C3D6B753-8B8C-4776-AF00-4448AAA78AEB}"/>
+          </ac:spMkLst>
+        </pc:spChg>
+        <pc:spChg chg="add mod topLvl">
+          <ac:chgData name="Judson Santiago" userId="ebb108da2f256286" providerId="LiveId" clId="{A19D161D-947B-42B7-B71E-BEE1278B5322}" dt="2021-05-29T16:53:42.633" v="175" actId="164"/>
+          <ac:spMkLst>
+            <pc:docMk/>
+            <pc:sldMk cId="2400000070" sldId="269"/>
+            <ac:spMk id="51" creationId="{F1F0E79E-3FBA-4785-A355-A5D82717E790}"/>
+          </ac:spMkLst>
+        </pc:spChg>
+        <pc:spChg chg="add mod topLvl">
+          <ac:chgData name="Judson Santiago" userId="ebb108da2f256286" providerId="LiveId" clId="{A19D161D-947B-42B7-B71E-BEE1278B5322}" dt="2021-05-29T16:53:42.633" v="175" actId="164"/>
+          <ac:spMkLst>
+            <pc:docMk/>
+            <pc:sldMk cId="2400000070" sldId="269"/>
+            <ac:spMk id="52" creationId="{CE446589-0E04-498A-9404-98527F3EDB4E}"/>
+          </ac:spMkLst>
+        </pc:spChg>
+        <pc:spChg chg="add mod">
+          <ac:chgData name="Judson Santiago" userId="ebb108da2f256286" providerId="LiveId" clId="{A19D161D-947B-42B7-B71E-BEE1278B5322}" dt="2021-05-29T16:53:42.633" v="175" actId="164"/>
+          <ac:spMkLst>
+            <pc:docMk/>
+            <pc:sldMk cId="2400000070" sldId="269"/>
+            <ac:spMk id="53" creationId="{03B8A7E1-2372-4950-84DD-30B7219C1B91}"/>
+          </ac:spMkLst>
+        </pc:spChg>
+        <pc:grpChg chg="add del mod">
+          <ac:chgData name="Judson Santiago" userId="ebb108da2f256286" providerId="LiveId" clId="{A19D161D-947B-42B7-B71E-BEE1278B5322}" dt="2021-05-29T16:53:26.021" v="173" actId="165"/>
+          <ac:grpSpMkLst>
+            <pc:docMk/>
+            <pc:sldMk cId="2400000070" sldId="269"/>
+            <ac:grpSpMk id="4" creationId="{FCEA63F0-6769-40F7-BE6C-F161738C773A}"/>
+          </ac:grpSpMkLst>
+        </pc:grpChg>
+        <pc:grpChg chg="add del mod">
+          <ac:chgData name="Judson Santiago" userId="ebb108da2f256286" providerId="LiveId" clId="{A19D161D-947B-42B7-B71E-BEE1278B5322}" dt="2021-05-29T16:47:45.664" v="91" actId="165"/>
+          <ac:grpSpMkLst>
+            <pc:docMk/>
+            <pc:sldMk cId="2400000070" sldId="269"/>
+            <ac:grpSpMk id="12" creationId="{2ED41C2D-74D0-47A4-8480-FC62F204D5B7}"/>
+          </ac:grpSpMkLst>
+        </pc:grpChg>
+        <pc:grpChg chg="add mod">
+          <ac:chgData name="Judson Santiago" userId="ebb108da2f256286" providerId="LiveId" clId="{A19D161D-947B-42B7-B71E-BEE1278B5322}" dt="2021-05-29T16:53:35.975" v="174" actId="164"/>
+          <ac:grpSpMkLst>
+            <pc:docMk/>
+            <pc:sldMk cId="2400000070" sldId="269"/>
+            <ac:grpSpMk id="54" creationId="{192F633F-66B9-4D03-BB9A-ABF2578BFF4D}"/>
+          </ac:grpSpMkLst>
+        </pc:grpChg>
+        <pc:grpChg chg="add mod">
+          <ac:chgData name="Judson Santiago" userId="ebb108da2f256286" providerId="LiveId" clId="{A19D161D-947B-42B7-B71E-BEE1278B5322}" dt="2021-05-29T16:53:42.633" v="175" actId="164"/>
+          <ac:grpSpMkLst>
+            <pc:docMk/>
+            <pc:sldMk cId="2400000070" sldId="269"/>
+            <ac:grpSpMk id="55" creationId="{AEA4B72B-A851-4A59-B9E0-FFEB4F6131F2}"/>
+          </ac:grpSpMkLst>
+        </pc:grpChg>
+      </pc:sldChg>
+      <pc:sldChg chg="modNotesTx">
+        <pc:chgData name="Judson Santiago" userId="ebb108da2f256286" providerId="LiveId" clId="{A19D161D-947B-42B7-B71E-BEE1278B5322}" dt="2021-05-29T16:59:27.678" v="228" actId="20577"/>
+        <pc:sldMkLst>
+          <pc:docMk/>
+          <pc:sldMk cId="2066999423" sldId="273"/>
+        </pc:sldMkLst>
+      </pc:sldChg>
+      <pc:sldChg chg="modSp mod">
+        <pc:chgData name="Judson Santiago" userId="ebb108da2f256286" providerId="LiveId" clId="{A19D161D-947B-42B7-B71E-BEE1278B5322}" dt="2021-05-29T17:00:53.838" v="234" actId="1076"/>
+        <pc:sldMkLst>
+          <pc:docMk/>
+          <pc:sldMk cId="1835935789" sldId="277"/>
+        </pc:sldMkLst>
+        <pc:spChg chg="mod">
+          <ac:chgData name="Judson Santiago" userId="ebb108da2f256286" providerId="LiveId" clId="{A19D161D-947B-42B7-B71E-BEE1278B5322}" dt="2021-05-29T17:00:36.944" v="232" actId="1076"/>
+          <ac:spMkLst>
+            <pc:docMk/>
+            <pc:sldMk cId="1835935789" sldId="277"/>
+            <ac:spMk id="4" creationId="{00000000-0000-0000-0000-000000000000}"/>
+          </ac:spMkLst>
+        </pc:spChg>
+        <pc:spChg chg="mod">
+          <ac:chgData name="Judson Santiago" userId="ebb108da2f256286" providerId="LiveId" clId="{A19D161D-947B-42B7-B71E-BEE1278B5322}" dt="2021-05-29T17:00:48.092" v="233" actId="1076"/>
+          <ac:spMkLst>
+            <pc:docMk/>
+            <pc:sldMk cId="1835935789" sldId="277"/>
+            <ac:spMk id="10" creationId="{00000000-0000-0000-0000-000000000000}"/>
+          </ac:spMkLst>
+        </pc:spChg>
+        <pc:spChg chg="mod">
+          <ac:chgData name="Judson Santiago" userId="ebb108da2f256286" providerId="LiveId" clId="{A19D161D-947B-42B7-B71E-BEE1278B5322}" dt="2021-05-29T17:00:48.092" v="233" actId="1076"/>
+          <ac:spMkLst>
+            <pc:docMk/>
+            <pc:sldMk cId="1835935789" sldId="277"/>
+            <ac:spMk id="11" creationId="{00000000-0000-0000-0000-000000000000}"/>
+          </ac:spMkLst>
+        </pc:spChg>
+        <pc:spChg chg="mod">
+          <ac:chgData name="Judson Santiago" userId="ebb108da2f256286" providerId="LiveId" clId="{A19D161D-947B-42B7-B71E-BEE1278B5322}" dt="2021-05-29T17:00:53.838" v="234" actId="1076"/>
+          <ac:spMkLst>
+            <pc:docMk/>
+            <pc:sldMk cId="1835935789" sldId="277"/>
+            <ac:spMk id="13" creationId="{00000000-0000-0000-0000-000000000000}"/>
+          </ac:spMkLst>
+        </pc:spChg>
+        <pc:cxnChg chg="mod">
+          <ac:chgData name="Judson Santiago" userId="ebb108da2f256286" providerId="LiveId" clId="{A19D161D-947B-42B7-B71E-BEE1278B5322}" dt="2021-05-29T17:00:53.838" v="234" actId="1076"/>
+          <ac:cxnSpMkLst>
+            <pc:docMk/>
+            <pc:sldMk cId="1835935789" sldId="277"/>
+            <ac:cxnSpMk id="12" creationId="{00000000-0000-0000-0000-000000000000}"/>
+          </ac:cxnSpMkLst>
+        </pc:cxnChg>
+      </pc:sldChg>
+      <pc:sldChg chg="modSp mod">
+        <pc:chgData name="Judson Santiago" userId="ebb108da2f256286" providerId="LiveId" clId="{A19D161D-947B-42B7-B71E-BEE1278B5322}" dt="2021-05-29T17:02:54.591" v="236" actId="20577"/>
+        <pc:sldMkLst>
+          <pc:docMk/>
+          <pc:sldMk cId="3774409273" sldId="282"/>
+        </pc:sldMkLst>
+        <pc:spChg chg="mod">
+          <ac:chgData name="Judson Santiago" userId="ebb108da2f256286" providerId="LiveId" clId="{A19D161D-947B-42B7-B71E-BEE1278B5322}" dt="2021-05-29T17:02:54.591" v="236" actId="20577"/>
+          <ac:spMkLst>
+            <pc:docMk/>
+            <pc:sldMk cId="3774409273" sldId="282"/>
+            <ac:spMk id="6" creationId="{00000000-0000-0000-0000-000000000000}"/>
+          </ac:spMkLst>
+        </pc:spChg>
+      </pc:sldChg>
+      <pc:sldChg chg="modSp mod">
+        <pc:chgData name="Judson Santiago" userId="ebb108da2f256286" providerId="LiveId" clId="{A19D161D-947B-42B7-B71E-BEE1278B5322}" dt="2021-05-29T17:03:02.782" v="237" actId="20577"/>
+        <pc:sldMkLst>
+          <pc:docMk/>
+          <pc:sldMk cId="2260577414" sldId="283"/>
+        </pc:sldMkLst>
+        <pc:spChg chg="mod">
+          <ac:chgData name="Judson Santiago" userId="ebb108da2f256286" providerId="LiveId" clId="{A19D161D-947B-42B7-B71E-BEE1278B5322}" dt="2021-05-29T17:03:02.782" v="237" actId="20577"/>
+          <ac:spMkLst>
+            <pc:docMk/>
+            <pc:sldMk cId="2260577414" sldId="283"/>
+            <ac:spMk id="5" creationId="{00000000-0000-0000-0000-000000000000}"/>
+          </ac:spMkLst>
+        </pc:spChg>
+      </pc:sldChg>
+      <pc:sldChg chg="modSp mod">
+        <pc:chgData name="Judson Santiago" userId="ebb108da2f256286" providerId="LiveId" clId="{A19D161D-947B-42B7-B71E-BEE1278B5322}" dt="2021-05-29T17:21:07.909" v="242" actId="207"/>
+        <pc:sldMkLst>
+          <pc:docMk/>
+          <pc:sldMk cId="52889044" sldId="292"/>
+        </pc:sldMkLst>
+        <pc:spChg chg="mod">
+          <ac:chgData name="Judson Santiago" userId="ebb108da2f256286" providerId="LiveId" clId="{A19D161D-947B-42B7-B71E-BEE1278B5322}" dt="2021-05-29T17:21:07.909" v="242" actId="207"/>
+          <ac:spMkLst>
+            <pc:docMk/>
+            <pc:sldMk cId="52889044" sldId="292"/>
+            <ac:spMk id="7" creationId="{00000000-0000-0000-0000-000000000000}"/>
+          </ac:spMkLst>
+        </pc:spChg>
+      </pc:sldChg>
+      <pc:sldChg chg="modNotesTx">
+        <pc:chgData name="Judson Santiago" userId="ebb108da2f256286" providerId="LiveId" clId="{A19D161D-947B-42B7-B71E-BEE1278B5322}" dt="2021-05-29T16:33:31.454" v="76" actId="6549"/>
+        <pc:sldMkLst>
+          <pc:docMk/>
+          <pc:sldMk cId="842154999" sldId="301"/>
+        </pc:sldMkLst>
       </pc:sldChg>
     </pc:docChg>
   </pc:docChgLst>
@@ -2612,7 +3124,7 @@
             <a:fld id="{C316FC6E-831B-4C5E-8751-6BBED6FFBE8E}" type="datetimeFigureOut">
               <a:rPr lang="pt-BR" smtClean="0"/>
               <a:pPr/>
-              <a:t>08/05/2021</a:t>
+              <a:t>29/05/2021</a:t>
             </a:fld>
             <a:endParaRPr lang="pt-BR"/>
           </a:p>
@@ -4454,7 +4966,7 @@
           <a:p>
             <a:r>
               <a:rPr lang="pt-BR" dirty="0"/>
-              <a:t>Solução recomendada. É a solução utilizada em muitas bibliotecas, como por exemplo COM (Component Object Model) e DirectX.</a:t>
+              <a:t>Solução recomendada. É a solução utilizada em muitas bibliotecas, como por exemplo o DirectX.</a:t>
             </a:r>
           </a:p>
         </p:txBody>
@@ -4562,7 +5074,7 @@
             <a:fld id="{D7C55EEC-0318-498A-BF02-D605D7177864}" type="datetimeFigureOut">
               <a:rPr lang="pt-BR" smtClean="0"/>
               <a:pPr/>
-              <a:t>08/05/2021</a:t>
+              <a:t>29/05/2021</a:t>
             </a:fld>
             <a:endParaRPr lang="pt-BR"/>
           </a:p>
@@ -5117,7 +5629,7 @@
             <a:fld id="{D7C55EEC-0318-498A-BF02-D605D7177864}" type="datetimeFigureOut">
               <a:rPr lang="pt-BR" smtClean="0"/>
               <a:pPr/>
-              <a:t>08/05/2021</a:t>
+              <a:t>29/05/2021</a:t>
             </a:fld>
             <a:endParaRPr lang="pt-BR"/>
           </a:p>
@@ -5294,7 +5806,7 @@
             <a:fld id="{D7C55EEC-0318-498A-BF02-D605D7177864}" type="datetimeFigureOut">
               <a:rPr lang="pt-BR" smtClean="0"/>
               <a:pPr/>
-              <a:t>08/05/2021</a:t>
+              <a:t>29/05/2021</a:t>
             </a:fld>
             <a:endParaRPr lang="pt-BR"/>
           </a:p>
@@ -5461,7 +5973,7 @@
             <a:fld id="{D7C55EEC-0318-498A-BF02-D605D7177864}" type="datetimeFigureOut">
               <a:rPr lang="pt-BR" smtClean="0"/>
               <a:pPr/>
-              <a:t>08/05/2021</a:t>
+              <a:t>29/05/2021</a:t>
             </a:fld>
             <a:endParaRPr lang="pt-BR"/>
           </a:p>
@@ -6910,7 +7422,7 @@
             <a:fld id="{D7C55EEC-0318-498A-BF02-D605D7177864}" type="datetimeFigureOut">
               <a:rPr lang="pt-BR" smtClean="0"/>
               <a:pPr/>
-              <a:t>08/05/2021</a:t>
+              <a:t>29/05/2021</a:t>
             </a:fld>
             <a:endParaRPr lang="pt-BR"/>
           </a:p>
@@ -7492,7 +8004,7 @@
             <a:fld id="{D7C55EEC-0318-498A-BF02-D605D7177864}" type="datetimeFigureOut">
               <a:rPr lang="pt-BR" smtClean="0"/>
               <a:pPr/>
-              <a:t>08/05/2021</a:t>
+              <a:t>29/05/2021</a:t>
             </a:fld>
             <a:endParaRPr lang="pt-BR"/>
           </a:p>
@@ -7923,7 +8435,7 @@
             <a:fld id="{D7C55EEC-0318-498A-BF02-D605D7177864}" type="datetimeFigureOut">
               <a:rPr lang="pt-BR" smtClean="0"/>
               <a:pPr/>
-              <a:t>08/05/2021</a:t>
+              <a:t>29/05/2021</a:t>
             </a:fld>
             <a:endParaRPr lang="pt-BR"/>
           </a:p>
@@ -8462,7 +8974,7 @@
             <a:fld id="{D7C55EEC-0318-498A-BF02-D605D7177864}" type="datetimeFigureOut">
               <a:rPr lang="pt-BR" smtClean="0"/>
               <a:pPr/>
-              <a:t>08/05/2021</a:t>
+              <a:t>29/05/2021</a:t>
             </a:fld>
             <a:endParaRPr lang="pt-BR"/>
           </a:p>
@@ -8554,7 +9066,7 @@
             <a:fld id="{D7C55EEC-0318-498A-BF02-D605D7177864}" type="datetimeFigureOut">
               <a:rPr lang="pt-BR" smtClean="0"/>
               <a:pPr/>
-              <a:t>08/05/2021</a:t>
+              <a:t>29/05/2021</a:t>
             </a:fld>
             <a:endParaRPr lang="pt-BR"/>
           </a:p>
@@ -8804,7 +9316,7 @@
             <a:fld id="{D7C55EEC-0318-498A-BF02-D605D7177864}" type="datetimeFigureOut">
               <a:rPr lang="pt-BR" smtClean="0"/>
               <a:pPr/>
-              <a:t>08/05/2021</a:t>
+              <a:t>29/05/2021</a:t>
             </a:fld>
             <a:endParaRPr lang="pt-BR"/>
           </a:p>
@@ -9519,7 +10031,7 @@
             <a:fld id="{D7C55EEC-0318-498A-BF02-D605D7177864}" type="datetimeFigureOut">
               <a:rPr lang="pt-BR" smtClean="0"/>
               <a:pPr/>
-              <a:t>08/05/2021</a:t>
+              <a:t>29/05/2021</a:t>
             </a:fld>
             <a:endParaRPr lang="pt-BR"/>
           </a:p>
@@ -9800,7 +10312,7 @@
             <a:fld id="{D7C55EEC-0318-498A-BF02-D605D7177864}" type="datetimeFigureOut">
               <a:rPr lang="pt-BR" smtClean="0"/>
               <a:pPr/>
-              <a:t>08/05/2021</a:t>
+              <a:t>29/05/2021</a:t>
             </a:fld>
             <a:endParaRPr lang="pt-BR"/>
           </a:p>
@@ -12523,6 +13035,2539 @@
           </a:p>
         </p:txBody>
       </p:sp>
+      <p:sp>
+        <p:nvSpPr>
+          <p:cNvPr id="33" name="Retângulo 32">
+            <a:extLst>
+              <a:ext uri="{FF2B5EF4-FFF2-40B4-BE49-F238E27FC236}">
+                <a16:creationId xmlns:a16="http://schemas.microsoft.com/office/drawing/2014/main" id="{F7DD5389-1324-4E4A-AC1A-5D5DA058BBCD}"/>
+              </a:ext>
+            </a:extLst>
+          </p:cNvPr>
+          <p:cNvSpPr/>
+          <p:nvPr/>
+        </p:nvSpPr>
+        <p:spPr>
+          <a:xfrm>
+            <a:off x="6506258" y="3356992"/>
+            <a:ext cx="353763" cy="357190"/>
+          </a:xfrm>
+          <a:prstGeom prst="rect">
+            <a:avLst/>
+          </a:prstGeom>
+          <a:solidFill>
+            <a:schemeClr val="accent3">
+              <a:lumMod val="75000"/>
+            </a:schemeClr>
+          </a:solidFill>
+          <a:ln>
+            <a:noFill/>
+          </a:ln>
+          <a:effectLst>
+            <a:outerShdw blurRad="107950" dist="12700" dir="5400000" algn="ctr">
+              <a:srgbClr val="000000"/>
+            </a:outerShdw>
+          </a:effectLst>
+          <a:scene3d>
+            <a:camera prst="orthographicFront">
+              <a:rot lat="0" lon="0" rev="0"/>
+            </a:camera>
+            <a:lightRig rig="soft" dir="t">
+              <a:rot lat="0" lon="0" rev="0"/>
+            </a:lightRig>
+          </a:scene3d>
+          <a:sp3d contourW="44450" prstMaterial="matte">
+            <a:bevelT w="63500" h="63500" prst="artDeco"/>
+            <a:contourClr>
+              <a:srgbClr val="FFFFFF"/>
+            </a:contourClr>
+          </a:sp3d>
+        </p:spPr>
+        <p:style>
+          <a:lnRef idx="2">
+            <a:schemeClr val="accent1">
+              <a:shade val="50000"/>
+            </a:schemeClr>
+          </a:lnRef>
+          <a:fillRef idx="1">
+            <a:schemeClr val="accent1"/>
+          </a:fillRef>
+          <a:effectRef idx="0">
+            <a:schemeClr val="accent1"/>
+          </a:effectRef>
+          <a:fontRef idx="minor">
+            <a:schemeClr val="lt1"/>
+          </a:fontRef>
+        </p:style>
+        <p:txBody>
+          <a:bodyPr rtlCol="0" anchor="ctr"/>
+          <a:lstStyle/>
+          <a:p>
+            <a:pPr algn="ctr"/>
+            <a:r>
+              <a:rPr lang="pt-BR" sz="1400" dirty="0">
+                <a:solidFill>
+                  <a:schemeClr val="accent3">
+                    <a:lumMod val="75000"/>
+                  </a:schemeClr>
+                </a:solidFill>
+                <a:latin typeface="Consolas" pitchFamily="49" charset="0"/>
+                <a:cs typeface="Consolas" pitchFamily="49" charset="0"/>
+              </a:rPr>
+              <a:t>o</a:t>
+            </a:r>
+          </a:p>
+        </p:txBody>
+      </p:sp>
+      <p:sp>
+        <p:nvSpPr>
+          <p:cNvPr id="34" name="Retângulo 33">
+            <a:extLst>
+              <a:ext uri="{FF2B5EF4-FFF2-40B4-BE49-F238E27FC236}">
+                <a16:creationId xmlns:a16="http://schemas.microsoft.com/office/drawing/2014/main" id="{C591A940-8AC2-4D70-BF2A-FD2CA828CB01}"/>
+              </a:ext>
+            </a:extLst>
+          </p:cNvPr>
+          <p:cNvSpPr/>
+          <p:nvPr/>
+        </p:nvSpPr>
+        <p:spPr>
+          <a:xfrm>
+            <a:off x="6860021" y="3356992"/>
+            <a:ext cx="353763" cy="357190"/>
+          </a:xfrm>
+          <a:prstGeom prst="rect">
+            <a:avLst/>
+          </a:prstGeom>
+          <a:solidFill>
+            <a:schemeClr val="accent3">
+              <a:lumMod val="75000"/>
+            </a:schemeClr>
+          </a:solidFill>
+          <a:ln>
+            <a:noFill/>
+          </a:ln>
+          <a:effectLst>
+            <a:outerShdw blurRad="107950" dist="12700" dir="5400000" algn="ctr">
+              <a:srgbClr val="000000"/>
+            </a:outerShdw>
+          </a:effectLst>
+          <a:scene3d>
+            <a:camera prst="orthographicFront">
+              <a:rot lat="0" lon="0" rev="0"/>
+            </a:camera>
+            <a:lightRig rig="soft" dir="t">
+              <a:rot lat="0" lon="0" rev="0"/>
+            </a:lightRig>
+          </a:scene3d>
+          <a:sp3d contourW="44450" prstMaterial="matte">
+            <a:bevelT w="63500" h="63500" prst="artDeco"/>
+            <a:contourClr>
+              <a:srgbClr val="FFFFFF"/>
+            </a:contourClr>
+          </a:sp3d>
+        </p:spPr>
+        <p:style>
+          <a:lnRef idx="2">
+            <a:schemeClr val="accent1">
+              <a:shade val="50000"/>
+            </a:schemeClr>
+          </a:lnRef>
+          <a:fillRef idx="1">
+            <a:schemeClr val="accent1"/>
+          </a:fillRef>
+          <a:effectRef idx="0">
+            <a:schemeClr val="accent1"/>
+          </a:effectRef>
+          <a:fontRef idx="minor">
+            <a:schemeClr val="lt1"/>
+          </a:fontRef>
+        </p:style>
+        <p:txBody>
+          <a:bodyPr rtlCol="0" anchor="ctr"/>
+          <a:lstStyle/>
+          <a:p>
+            <a:pPr algn="ctr"/>
+            <a:r>
+              <a:rPr lang="pt-BR" sz="1400" dirty="0">
+                <a:solidFill>
+                  <a:schemeClr val="accent3">
+                    <a:lumMod val="75000"/>
+                  </a:schemeClr>
+                </a:solidFill>
+                <a:latin typeface="Consolas" pitchFamily="49" charset="0"/>
+                <a:cs typeface="Consolas" pitchFamily="49" charset="0"/>
+              </a:rPr>
+              <a:t>h</a:t>
+            </a:r>
+          </a:p>
+        </p:txBody>
+      </p:sp>
+      <p:sp>
+        <p:nvSpPr>
+          <p:cNvPr id="35" name="Retângulo 34">
+            <a:extLst>
+              <a:ext uri="{FF2B5EF4-FFF2-40B4-BE49-F238E27FC236}">
+                <a16:creationId xmlns:a16="http://schemas.microsoft.com/office/drawing/2014/main" id="{0E87799B-8D20-47B9-8C4F-A2A1E10D2446}"/>
+              </a:ext>
+            </a:extLst>
+          </p:cNvPr>
+          <p:cNvSpPr/>
+          <p:nvPr/>
+        </p:nvSpPr>
+        <p:spPr>
+          <a:xfrm>
+            <a:off x="7213784" y="3356992"/>
+            <a:ext cx="353763" cy="357190"/>
+          </a:xfrm>
+          <a:prstGeom prst="rect">
+            <a:avLst/>
+          </a:prstGeom>
+          <a:solidFill>
+            <a:schemeClr val="accent3">
+              <a:lumMod val="75000"/>
+            </a:schemeClr>
+          </a:solidFill>
+          <a:ln>
+            <a:noFill/>
+          </a:ln>
+          <a:effectLst>
+            <a:outerShdw blurRad="107950" dist="12700" dir="5400000" algn="ctr">
+              <a:srgbClr val="000000"/>
+            </a:outerShdw>
+          </a:effectLst>
+          <a:scene3d>
+            <a:camera prst="orthographicFront">
+              <a:rot lat="0" lon="0" rev="0"/>
+            </a:camera>
+            <a:lightRig rig="soft" dir="t">
+              <a:rot lat="0" lon="0" rev="0"/>
+            </a:lightRig>
+          </a:scene3d>
+          <a:sp3d contourW="44450" prstMaterial="matte">
+            <a:bevelT w="63500" h="63500" prst="artDeco"/>
+            <a:contourClr>
+              <a:srgbClr val="FFFFFF"/>
+            </a:contourClr>
+          </a:sp3d>
+        </p:spPr>
+        <p:style>
+          <a:lnRef idx="2">
+            <a:schemeClr val="accent1">
+              <a:shade val="50000"/>
+            </a:schemeClr>
+          </a:lnRef>
+          <a:fillRef idx="1">
+            <a:schemeClr val="accent1"/>
+          </a:fillRef>
+          <a:effectRef idx="0">
+            <a:schemeClr val="accent1"/>
+          </a:effectRef>
+          <a:fontRef idx="minor">
+            <a:schemeClr val="lt1"/>
+          </a:fontRef>
+        </p:style>
+        <p:txBody>
+          <a:bodyPr rtlCol="0" anchor="ctr"/>
+          <a:lstStyle/>
+          <a:p>
+            <a:pPr algn="ctr"/>
+            <a:r>
+              <a:rPr lang="pt-BR" sz="1400" dirty="0">
+                <a:solidFill>
+                  <a:schemeClr val="accent3">
+                    <a:lumMod val="75000"/>
+                  </a:schemeClr>
+                </a:solidFill>
+                <a:latin typeface="Consolas" pitchFamily="49" charset="0"/>
+                <a:cs typeface="Consolas" pitchFamily="49" charset="0"/>
+              </a:rPr>
+              <a:t>n</a:t>
+            </a:r>
+          </a:p>
+        </p:txBody>
+      </p:sp>
+      <p:sp>
+        <p:nvSpPr>
+          <p:cNvPr id="36" name="Retângulo 35">
+            <a:extLst>
+              <a:ext uri="{FF2B5EF4-FFF2-40B4-BE49-F238E27FC236}">
+                <a16:creationId xmlns:a16="http://schemas.microsoft.com/office/drawing/2014/main" id="{7CF6F2DC-A755-4DB7-B8F0-9B68AFDC01AB}"/>
+              </a:ext>
+            </a:extLst>
+          </p:cNvPr>
+          <p:cNvSpPr/>
+          <p:nvPr/>
+        </p:nvSpPr>
+        <p:spPr>
+          <a:xfrm>
+            <a:off x="7567546" y="3356992"/>
+            <a:ext cx="353763" cy="357190"/>
+          </a:xfrm>
+          <a:prstGeom prst="rect">
+            <a:avLst/>
+          </a:prstGeom>
+          <a:solidFill>
+            <a:schemeClr val="accent3">
+              <a:lumMod val="75000"/>
+            </a:schemeClr>
+          </a:solidFill>
+          <a:ln>
+            <a:noFill/>
+          </a:ln>
+          <a:effectLst>
+            <a:outerShdw blurRad="107950" dist="12700" dir="5400000" algn="ctr">
+              <a:srgbClr val="000000"/>
+            </a:outerShdw>
+          </a:effectLst>
+          <a:scene3d>
+            <a:camera prst="orthographicFront">
+              <a:rot lat="0" lon="0" rev="0"/>
+            </a:camera>
+            <a:lightRig rig="soft" dir="t">
+              <a:rot lat="0" lon="0" rev="0"/>
+            </a:lightRig>
+          </a:scene3d>
+          <a:sp3d contourW="44450" prstMaterial="matte">
+            <a:bevelT w="63500" h="63500" prst="artDeco"/>
+            <a:contourClr>
+              <a:srgbClr val="FFFFFF"/>
+            </a:contourClr>
+          </a:sp3d>
+        </p:spPr>
+        <p:style>
+          <a:lnRef idx="2">
+            <a:schemeClr val="accent1">
+              <a:shade val="50000"/>
+            </a:schemeClr>
+          </a:lnRef>
+          <a:fillRef idx="1">
+            <a:schemeClr val="accent1"/>
+          </a:fillRef>
+          <a:effectRef idx="0">
+            <a:schemeClr val="accent1"/>
+          </a:effectRef>
+          <a:fontRef idx="minor">
+            <a:schemeClr val="lt1"/>
+          </a:fontRef>
+        </p:style>
+        <p:txBody>
+          <a:bodyPr rtlCol="0" anchor="ctr"/>
+          <a:lstStyle/>
+          <a:p>
+            <a:pPr algn="ctr"/>
+            <a:r>
+              <a:rPr lang="pt-BR" sz="1400" dirty="0">
+                <a:solidFill>
+                  <a:schemeClr val="accent3">
+                    <a:lumMod val="75000"/>
+                  </a:schemeClr>
+                </a:solidFill>
+                <a:latin typeface="Consolas" pitchFamily="49" charset="0"/>
+                <a:cs typeface="Consolas" pitchFamily="49" charset="0"/>
+              </a:rPr>
+              <a:t>i</a:t>
+            </a:r>
+          </a:p>
+        </p:txBody>
+      </p:sp>
+      <p:sp>
+        <p:nvSpPr>
+          <p:cNvPr id="37" name="Retângulo 36">
+            <a:extLst>
+              <a:ext uri="{FF2B5EF4-FFF2-40B4-BE49-F238E27FC236}">
+                <a16:creationId xmlns:a16="http://schemas.microsoft.com/office/drawing/2014/main" id="{6B33EFAA-EB67-4DF0-9E36-132335DC698D}"/>
+              </a:ext>
+            </a:extLst>
+          </p:cNvPr>
+          <p:cNvSpPr/>
+          <p:nvPr/>
+        </p:nvSpPr>
+        <p:spPr>
+          <a:xfrm>
+            <a:off x="7921309" y="3356992"/>
+            <a:ext cx="353763" cy="357190"/>
+          </a:xfrm>
+          <a:prstGeom prst="rect">
+            <a:avLst/>
+          </a:prstGeom>
+          <a:solidFill>
+            <a:schemeClr val="accent3">
+              <a:lumMod val="75000"/>
+            </a:schemeClr>
+          </a:solidFill>
+          <a:ln>
+            <a:noFill/>
+          </a:ln>
+          <a:effectLst>
+            <a:outerShdw blurRad="107950" dist="12700" dir="5400000" algn="ctr">
+              <a:srgbClr val="000000"/>
+            </a:outerShdw>
+          </a:effectLst>
+          <a:scene3d>
+            <a:camera prst="orthographicFront">
+              <a:rot lat="0" lon="0" rev="0"/>
+            </a:camera>
+            <a:lightRig rig="soft" dir="t">
+              <a:rot lat="0" lon="0" rev="0"/>
+            </a:lightRig>
+          </a:scene3d>
+          <a:sp3d contourW="44450" prstMaterial="matte">
+            <a:bevelT w="63500" h="63500" prst="artDeco"/>
+            <a:contourClr>
+              <a:srgbClr val="FFFFFF"/>
+            </a:contourClr>
+          </a:sp3d>
+        </p:spPr>
+        <p:style>
+          <a:lnRef idx="2">
+            <a:schemeClr val="accent1">
+              <a:shade val="50000"/>
+            </a:schemeClr>
+          </a:lnRef>
+          <a:fillRef idx="1">
+            <a:schemeClr val="accent1"/>
+          </a:fillRef>
+          <a:effectRef idx="0">
+            <a:schemeClr val="accent1"/>
+          </a:effectRef>
+          <a:fontRef idx="minor">
+            <a:schemeClr val="lt1"/>
+          </a:fontRef>
+        </p:style>
+        <p:txBody>
+          <a:bodyPr rtlCol="0" anchor="ctr"/>
+          <a:lstStyle/>
+          <a:p>
+            <a:pPr algn="ctr"/>
+            <a:r>
+              <a:rPr lang="pt-BR" sz="1200" dirty="0">
+                <a:solidFill>
+                  <a:schemeClr val="accent3">
+                    <a:lumMod val="75000"/>
+                  </a:schemeClr>
+                </a:solidFill>
+                <a:latin typeface="Consolas" pitchFamily="49" charset="0"/>
+                <a:cs typeface="Consolas" pitchFamily="49" charset="0"/>
+              </a:rPr>
+              <a:t>z</a:t>
+            </a:r>
+          </a:p>
+        </p:txBody>
+      </p:sp>
+      <p:sp>
+        <p:nvSpPr>
+          <p:cNvPr id="38" name="Retângulo 37">
+            <a:extLst>
+              <a:ext uri="{FF2B5EF4-FFF2-40B4-BE49-F238E27FC236}">
+                <a16:creationId xmlns:a16="http://schemas.microsoft.com/office/drawing/2014/main" id="{40C5F7A2-637A-4C6E-A081-8E37EDB80926}"/>
+              </a:ext>
+            </a:extLst>
+          </p:cNvPr>
+          <p:cNvSpPr/>
+          <p:nvPr/>
+        </p:nvSpPr>
+        <p:spPr>
+          <a:xfrm>
+            <a:off x="8275072" y="3356992"/>
+            <a:ext cx="353763" cy="357190"/>
+          </a:xfrm>
+          <a:prstGeom prst="rect">
+            <a:avLst/>
+          </a:prstGeom>
+          <a:solidFill>
+            <a:schemeClr val="accent3">
+              <a:lumMod val="75000"/>
+            </a:schemeClr>
+          </a:solidFill>
+          <a:ln>
+            <a:noFill/>
+          </a:ln>
+          <a:effectLst>
+            <a:outerShdw blurRad="107950" dist="12700" dir="5400000" algn="ctr">
+              <a:srgbClr val="000000"/>
+            </a:outerShdw>
+          </a:effectLst>
+          <a:scene3d>
+            <a:camera prst="orthographicFront">
+              <a:rot lat="0" lon="0" rev="0"/>
+            </a:camera>
+            <a:lightRig rig="soft" dir="t">
+              <a:rot lat="0" lon="0" rev="0"/>
+            </a:lightRig>
+          </a:scene3d>
+          <a:sp3d contourW="44450" prstMaterial="matte">
+            <a:bevelT w="63500" h="63500" prst="artDeco"/>
+            <a:contourClr>
+              <a:srgbClr val="FFFFFF"/>
+            </a:contourClr>
+          </a:sp3d>
+        </p:spPr>
+        <p:style>
+          <a:lnRef idx="2">
+            <a:schemeClr val="accent1">
+              <a:shade val="50000"/>
+            </a:schemeClr>
+          </a:lnRef>
+          <a:fillRef idx="1">
+            <a:schemeClr val="accent1"/>
+          </a:fillRef>
+          <a:effectRef idx="0">
+            <a:schemeClr val="accent1"/>
+          </a:effectRef>
+          <a:fontRef idx="minor">
+            <a:schemeClr val="lt1"/>
+          </a:fontRef>
+        </p:style>
+        <p:txBody>
+          <a:bodyPr rtlCol="0" anchor="ctr"/>
+          <a:lstStyle/>
+          <a:p>
+            <a:pPr algn="ctr"/>
+            <a:r>
+              <a:rPr lang="pt-BR" sz="1200" dirty="0">
+                <a:solidFill>
+                  <a:schemeClr val="accent3">
+                    <a:lumMod val="75000"/>
+                  </a:schemeClr>
+                </a:solidFill>
+                <a:latin typeface="Consolas" pitchFamily="49" charset="0"/>
+                <a:cs typeface="Consolas" pitchFamily="49" charset="0"/>
+              </a:rPr>
+              <a:t>o</a:t>
+            </a:r>
+          </a:p>
+        </p:txBody>
+      </p:sp>
+      <p:sp>
+        <p:nvSpPr>
+          <p:cNvPr id="39" name="Retângulo 38">
+            <a:extLst>
+              <a:ext uri="{FF2B5EF4-FFF2-40B4-BE49-F238E27FC236}">
+                <a16:creationId xmlns:a16="http://schemas.microsoft.com/office/drawing/2014/main" id="{FD6BF916-2E0B-4A7F-97FE-3D94B4BD6456}"/>
+              </a:ext>
+            </a:extLst>
+          </p:cNvPr>
+          <p:cNvSpPr/>
+          <p:nvPr/>
+        </p:nvSpPr>
+        <p:spPr>
+          <a:xfrm>
+            <a:off x="8628835" y="3356992"/>
+            <a:ext cx="353763" cy="357190"/>
+          </a:xfrm>
+          <a:prstGeom prst="rect">
+            <a:avLst/>
+          </a:prstGeom>
+          <a:solidFill>
+            <a:schemeClr val="accent3">
+              <a:lumMod val="75000"/>
+            </a:schemeClr>
+          </a:solidFill>
+          <a:ln>
+            <a:noFill/>
+          </a:ln>
+          <a:effectLst>
+            <a:outerShdw blurRad="107950" dist="12700" dir="5400000" algn="ctr">
+              <a:srgbClr val="000000"/>
+            </a:outerShdw>
+          </a:effectLst>
+          <a:scene3d>
+            <a:camera prst="orthographicFront">
+              <a:rot lat="0" lon="0" rev="0"/>
+            </a:camera>
+            <a:lightRig rig="soft" dir="t">
+              <a:rot lat="0" lon="0" rev="0"/>
+            </a:lightRig>
+          </a:scene3d>
+          <a:sp3d contourW="44450" prstMaterial="matte">
+            <a:bevelT w="63500" h="63500" prst="artDeco"/>
+            <a:contourClr>
+              <a:srgbClr val="FFFFFF"/>
+            </a:contourClr>
+          </a:sp3d>
+        </p:spPr>
+        <p:style>
+          <a:lnRef idx="2">
+            <a:schemeClr val="accent1">
+              <a:shade val="50000"/>
+            </a:schemeClr>
+          </a:lnRef>
+          <a:fillRef idx="1">
+            <a:schemeClr val="accent1"/>
+          </a:fillRef>
+          <a:effectRef idx="0">
+            <a:schemeClr val="accent1"/>
+          </a:effectRef>
+          <a:fontRef idx="minor">
+            <a:schemeClr val="lt1"/>
+          </a:fontRef>
+        </p:style>
+        <p:txBody>
+          <a:bodyPr rtlCol="0" anchor="ctr"/>
+          <a:lstStyle/>
+          <a:p>
+            <a:pPr algn="ctr"/>
+            <a:r>
+              <a:rPr lang="pt-BR" sz="1200" dirty="0">
+                <a:solidFill>
+                  <a:schemeClr val="accent3">
+                    <a:lumMod val="75000"/>
+                  </a:schemeClr>
+                </a:solidFill>
+                <a:latin typeface="Consolas" pitchFamily="49" charset="0"/>
+                <a:cs typeface="Consolas" pitchFamily="49" charset="0"/>
+              </a:rPr>
+              <a:t>a</a:t>
+            </a:r>
+          </a:p>
+        </p:txBody>
+      </p:sp>
+      <p:sp>
+        <p:nvSpPr>
+          <p:cNvPr id="40" name="Retângulo 39">
+            <a:extLst>
+              <a:ext uri="{FF2B5EF4-FFF2-40B4-BE49-F238E27FC236}">
+                <a16:creationId xmlns:a16="http://schemas.microsoft.com/office/drawing/2014/main" id="{7BC58AE1-8E45-4237-9B5C-C7B6705971F1}"/>
+              </a:ext>
+            </a:extLst>
+          </p:cNvPr>
+          <p:cNvSpPr/>
+          <p:nvPr/>
+        </p:nvSpPr>
+        <p:spPr>
+          <a:xfrm>
+            <a:off x="8982597" y="3356992"/>
+            <a:ext cx="353763" cy="357190"/>
+          </a:xfrm>
+          <a:prstGeom prst="rect">
+            <a:avLst/>
+          </a:prstGeom>
+          <a:solidFill>
+            <a:schemeClr val="accent3">
+              <a:lumMod val="75000"/>
+            </a:schemeClr>
+          </a:solidFill>
+          <a:ln>
+            <a:noFill/>
+          </a:ln>
+          <a:effectLst>
+            <a:outerShdw blurRad="107950" dist="12700" dir="5400000" algn="ctr">
+              <a:srgbClr val="000000"/>
+            </a:outerShdw>
+          </a:effectLst>
+          <a:scene3d>
+            <a:camera prst="orthographicFront">
+              <a:rot lat="0" lon="0" rev="0"/>
+            </a:camera>
+            <a:lightRig rig="soft" dir="t">
+              <a:rot lat="0" lon="0" rev="0"/>
+            </a:lightRig>
+          </a:scene3d>
+          <a:sp3d contourW="44450" prstMaterial="matte">
+            <a:bevelT w="63500" h="63500" prst="artDeco"/>
+            <a:contourClr>
+              <a:srgbClr val="FFFFFF"/>
+            </a:contourClr>
+          </a:sp3d>
+        </p:spPr>
+        <p:style>
+          <a:lnRef idx="2">
+            <a:schemeClr val="accent1">
+              <a:shade val="50000"/>
+            </a:schemeClr>
+          </a:lnRef>
+          <a:fillRef idx="1">
+            <a:schemeClr val="accent1"/>
+          </a:fillRef>
+          <a:effectRef idx="0">
+            <a:schemeClr val="accent1"/>
+          </a:effectRef>
+          <a:fontRef idx="minor">
+            <a:schemeClr val="lt1"/>
+          </a:fontRef>
+        </p:style>
+        <p:txBody>
+          <a:bodyPr rtlCol="0" anchor="ctr"/>
+          <a:lstStyle/>
+          <a:p>
+            <a:pPr algn="ctr"/>
+            <a:r>
+              <a:rPr lang="pt-BR" sz="1200" dirty="0">
+                <a:solidFill>
+                  <a:schemeClr val="accent3">
+                    <a:lumMod val="75000"/>
+                  </a:schemeClr>
+                </a:solidFill>
+                <a:latin typeface="Consolas" pitchFamily="49" charset="0"/>
+                <a:cs typeface="Consolas" pitchFamily="49" charset="0"/>
+              </a:rPr>
+              <a:t>o</a:t>
+            </a:r>
+          </a:p>
+        </p:txBody>
+      </p:sp>
+      <p:sp>
+        <p:nvSpPr>
+          <p:cNvPr id="49" name="Retângulo 48">
+            <a:extLst>
+              <a:ext uri="{FF2B5EF4-FFF2-40B4-BE49-F238E27FC236}">
+                <a16:creationId xmlns:a16="http://schemas.microsoft.com/office/drawing/2014/main" id="{516AF542-1E52-405E-8806-5CE1B62DF9A1}"/>
+              </a:ext>
+            </a:extLst>
+          </p:cNvPr>
+          <p:cNvSpPr/>
+          <p:nvPr/>
+        </p:nvSpPr>
+        <p:spPr>
+          <a:xfrm>
+            <a:off x="9336360" y="3356992"/>
+            <a:ext cx="353763" cy="357190"/>
+          </a:xfrm>
+          <a:prstGeom prst="rect">
+            <a:avLst/>
+          </a:prstGeom>
+          <a:solidFill>
+            <a:schemeClr val="accent3">
+              <a:lumMod val="75000"/>
+            </a:schemeClr>
+          </a:solidFill>
+          <a:ln>
+            <a:noFill/>
+          </a:ln>
+          <a:effectLst>
+            <a:outerShdw blurRad="107950" dist="12700" dir="5400000" algn="ctr">
+              <a:srgbClr val="000000"/>
+            </a:outerShdw>
+          </a:effectLst>
+          <a:scene3d>
+            <a:camera prst="orthographicFront">
+              <a:rot lat="0" lon="0" rev="0"/>
+            </a:camera>
+            <a:lightRig rig="soft" dir="t">
+              <a:rot lat="0" lon="0" rev="0"/>
+            </a:lightRig>
+          </a:scene3d>
+          <a:sp3d contourW="44450" prstMaterial="matte">
+            <a:bevelT w="63500" h="63500" prst="artDeco"/>
+            <a:contourClr>
+              <a:srgbClr val="FFFFFF"/>
+            </a:contourClr>
+          </a:sp3d>
+        </p:spPr>
+        <p:style>
+          <a:lnRef idx="2">
+            <a:schemeClr val="accent1">
+              <a:shade val="50000"/>
+            </a:schemeClr>
+          </a:lnRef>
+          <a:fillRef idx="1">
+            <a:schemeClr val="accent1"/>
+          </a:fillRef>
+          <a:effectRef idx="0">
+            <a:schemeClr val="accent1"/>
+          </a:effectRef>
+          <a:fontRef idx="minor">
+            <a:schemeClr val="lt1"/>
+          </a:fontRef>
+        </p:style>
+        <p:txBody>
+          <a:bodyPr rtlCol="0" anchor="ctr"/>
+          <a:lstStyle/>
+          <a:p>
+            <a:pPr algn="ctr"/>
+            <a:r>
+              <a:rPr lang="pt-BR" sz="1200" dirty="0">
+                <a:solidFill>
+                  <a:schemeClr val="accent3">
+                    <a:lumMod val="75000"/>
+                  </a:schemeClr>
+                </a:solidFill>
+                <a:latin typeface="Consolas" pitchFamily="49" charset="0"/>
+                <a:cs typeface="Consolas" pitchFamily="49" charset="0"/>
+              </a:rPr>
+              <a:t>j</a:t>
+            </a:r>
+          </a:p>
+        </p:txBody>
+      </p:sp>
+      <p:sp>
+        <p:nvSpPr>
+          <p:cNvPr id="50" name="Retângulo 49">
+            <a:extLst>
+              <a:ext uri="{FF2B5EF4-FFF2-40B4-BE49-F238E27FC236}">
+                <a16:creationId xmlns:a16="http://schemas.microsoft.com/office/drawing/2014/main" id="{C3D6B753-8B8C-4776-AF00-4448AAA78AEB}"/>
+              </a:ext>
+            </a:extLst>
+          </p:cNvPr>
+          <p:cNvSpPr/>
+          <p:nvPr/>
+        </p:nvSpPr>
+        <p:spPr>
+          <a:xfrm>
+            <a:off x="9690122" y="3356992"/>
+            <a:ext cx="353763" cy="357190"/>
+          </a:xfrm>
+          <a:prstGeom prst="rect">
+            <a:avLst/>
+          </a:prstGeom>
+          <a:solidFill>
+            <a:schemeClr val="accent3">
+              <a:lumMod val="75000"/>
+            </a:schemeClr>
+          </a:solidFill>
+          <a:ln>
+            <a:noFill/>
+          </a:ln>
+          <a:effectLst>
+            <a:outerShdw blurRad="107950" dist="12700" dir="5400000" algn="ctr">
+              <a:srgbClr val="000000"/>
+            </a:outerShdw>
+          </a:effectLst>
+          <a:scene3d>
+            <a:camera prst="orthographicFront">
+              <a:rot lat="0" lon="0" rev="0"/>
+            </a:camera>
+            <a:lightRig rig="soft" dir="t">
+              <a:rot lat="0" lon="0" rev="0"/>
+            </a:lightRig>
+          </a:scene3d>
+          <a:sp3d contourW="44450" prstMaterial="matte">
+            <a:bevelT w="63500" h="63500" prst="artDeco"/>
+            <a:contourClr>
+              <a:srgbClr val="FFFFFF"/>
+            </a:contourClr>
+          </a:sp3d>
+        </p:spPr>
+        <p:style>
+          <a:lnRef idx="2">
+            <a:schemeClr val="accent1">
+              <a:shade val="50000"/>
+            </a:schemeClr>
+          </a:lnRef>
+          <a:fillRef idx="1">
+            <a:schemeClr val="accent1"/>
+          </a:fillRef>
+          <a:effectRef idx="0">
+            <a:schemeClr val="accent1"/>
+          </a:effectRef>
+          <a:fontRef idx="minor">
+            <a:schemeClr val="lt1"/>
+          </a:fontRef>
+        </p:style>
+        <p:txBody>
+          <a:bodyPr rtlCol="0" anchor="ctr"/>
+          <a:lstStyle/>
+          <a:p>
+            <a:pPr algn="ctr"/>
+            <a:r>
+              <a:rPr lang="pt-BR" sz="1200" dirty="0">
+                <a:solidFill>
+                  <a:schemeClr val="accent3">
+                    <a:lumMod val="75000"/>
+                  </a:schemeClr>
+                </a:solidFill>
+                <a:latin typeface="Consolas" pitchFamily="49" charset="0"/>
+                <a:cs typeface="Consolas" pitchFamily="49" charset="0"/>
+              </a:rPr>
+              <a:t>\0</a:t>
+            </a:r>
+          </a:p>
+        </p:txBody>
+      </p:sp>
+      <p:grpSp>
+        <p:nvGrpSpPr>
+          <p:cNvPr id="54" name="Agrupar 53">
+            <a:extLst>
+              <a:ext uri="{FF2B5EF4-FFF2-40B4-BE49-F238E27FC236}">
+                <a16:creationId xmlns:a16="http://schemas.microsoft.com/office/drawing/2014/main" id="{192F633F-66B9-4D03-BB9A-ABF2578BFF4D}"/>
+              </a:ext>
+            </a:extLst>
+          </p:cNvPr>
+          <p:cNvGrpSpPr/>
+          <p:nvPr/>
+        </p:nvGrpSpPr>
+        <p:grpSpPr>
+          <a:xfrm>
+            <a:off x="6506258" y="2060848"/>
+            <a:ext cx="3537627" cy="1146428"/>
+            <a:chOff x="6506258" y="2060848"/>
+            <a:chExt cx="3537627" cy="1146428"/>
+          </a:xfrm>
+        </p:grpSpPr>
+        <p:sp>
+          <p:nvSpPr>
+            <p:cNvPr id="13" name="Retângulo 12">
+              <a:extLst>
+                <a:ext uri="{FF2B5EF4-FFF2-40B4-BE49-F238E27FC236}">
+                  <a16:creationId xmlns:a16="http://schemas.microsoft.com/office/drawing/2014/main" id="{C9D62BE2-B895-4E84-A1A2-04921AC69DFB}"/>
+                </a:ext>
+              </a:extLst>
+            </p:cNvPr>
+            <p:cNvSpPr/>
+            <p:nvPr/>
+          </p:nvSpPr>
+          <p:spPr>
+            <a:xfrm>
+              <a:off x="6506258" y="2850086"/>
+              <a:ext cx="353763" cy="357190"/>
+            </a:xfrm>
+            <a:prstGeom prst="rect">
+              <a:avLst/>
+            </a:prstGeom>
+            <a:solidFill>
+              <a:schemeClr val="accent3">
+                <a:lumMod val="75000"/>
+              </a:schemeClr>
+            </a:solidFill>
+            <a:ln>
+              <a:noFill/>
+            </a:ln>
+            <a:effectLst>
+              <a:outerShdw blurRad="107950" dist="12700" dir="5400000" algn="ctr">
+                <a:srgbClr val="000000"/>
+              </a:outerShdw>
+            </a:effectLst>
+            <a:scene3d>
+              <a:camera prst="orthographicFront">
+                <a:rot lat="0" lon="0" rev="0"/>
+              </a:camera>
+              <a:lightRig rig="soft" dir="t">
+                <a:rot lat="0" lon="0" rev="0"/>
+              </a:lightRig>
+            </a:scene3d>
+            <a:sp3d contourW="44450" prstMaterial="matte">
+              <a:bevelT w="63500" h="63500" prst="artDeco"/>
+              <a:contourClr>
+                <a:srgbClr val="FFFFFF"/>
+              </a:contourClr>
+            </a:sp3d>
+          </p:spPr>
+          <p:style>
+            <a:lnRef idx="2">
+              <a:schemeClr val="accent1">
+                <a:shade val="50000"/>
+              </a:schemeClr>
+            </a:lnRef>
+            <a:fillRef idx="1">
+              <a:schemeClr val="accent1"/>
+            </a:fillRef>
+            <a:effectRef idx="0">
+              <a:schemeClr val="accent1"/>
+            </a:effectRef>
+            <a:fontRef idx="minor">
+              <a:schemeClr val="lt1"/>
+            </a:fontRef>
+          </p:style>
+          <p:txBody>
+            <a:bodyPr rtlCol="0" anchor="ctr"/>
+            <a:lstStyle/>
+            <a:p>
+              <a:pPr algn="ctr"/>
+              <a:r>
+                <a:rPr lang="pt-BR" sz="1400" dirty="0">
+                  <a:solidFill>
+                    <a:schemeClr val="bg1"/>
+                  </a:solidFill>
+                  <a:latin typeface="Consolas" pitchFamily="49" charset="0"/>
+                  <a:cs typeface="Consolas" pitchFamily="49" charset="0"/>
+                </a:rPr>
+                <a:t>j</a:t>
+              </a:r>
+            </a:p>
+          </p:txBody>
+        </p:sp>
+        <p:sp>
+          <p:nvSpPr>
+            <p:cNvPr id="14" name="Retângulo 13">
+              <a:extLst>
+                <a:ext uri="{FF2B5EF4-FFF2-40B4-BE49-F238E27FC236}">
+                  <a16:creationId xmlns:a16="http://schemas.microsoft.com/office/drawing/2014/main" id="{ECD92CD4-3B14-46EA-A4B7-C29C2D85C58F}"/>
+                </a:ext>
+              </a:extLst>
+            </p:cNvPr>
+            <p:cNvSpPr/>
+            <p:nvPr/>
+          </p:nvSpPr>
+          <p:spPr>
+            <a:xfrm>
+              <a:off x="6860021" y="2850086"/>
+              <a:ext cx="353763" cy="357190"/>
+            </a:xfrm>
+            <a:prstGeom prst="rect">
+              <a:avLst/>
+            </a:prstGeom>
+            <a:solidFill>
+              <a:schemeClr val="accent3">
+                <a:lumMod val="75000"/>
+              </a:schemeClr>
+            </a:solidFill>
+            <a:ln>
+              <a:noFill/>
+            </a:ln>
+            <a:effectLst>
+              <a:outerShdw blurRad="107950" dist="12700" dir="5400000" algn="ctr">
+                <a:srgbClr val="000000"/>
+              </a:outerShdw>
+            </a:effectLst>
+            <a:scene3d>
+              <a:camera prst="orthographicFront">
+                <a:rot lat="0" lon="0" rev="0"/>
+              </a:camera>
+              <a:lightRig rig="soft" dir="t">
+                <a:rot lat="0" lon="0" rev="0"/>
+              </a:lightRig>
+            </a:scene3d>
+            <a:sp3d contourW="44450" prstMaterial="matte">
+              <a:bevelT w="63500" h="63500" prst="artDeco"/>
+              <a:contourClr>
+                <a:srgbClr val="FFFFFF"/>
+              </a:contourClr>
+            </a:sp3d>
+          </p:spPr>
+          <p:style>
+            <a:lnRef idx="2">
+              <a:schemeClr val="accent1">
+                <a:shade val="50000"/>
+              </a:schemeClr>
+            </a:lnRef>
+            <a:fillRef idx="1">
+              <a:schemeClr val="accent1"/>
+            </a:fillRef>
+            <a:effectRef idx="0">
+              <a:schemeClr val="accent1"/>
+            </a:effectRef>
+            <a:fontRef idx="minor">
+              <a:schemeClr val="lt1"/>
+            </a:fontRef>
+          </p:style>
+          <p:txBody>
+            <a:bodyPr rtlCol="0" anchor="ctr"/>
+            <a:lstStyle/>
+            <a:p>
+              <a:pPr algn="ctr"/>
+              <a:r>
+                <a:rPr lang="pt-BR" sz="1400" dirty="0">
+                  <a:solidFill>
+                    <a:schemeClr val="bg1"/>
+                  </a:solidFill>
+                  <a:latin typeface="Consolas" pitchFamily="49" charset="0"/>
+                  <a:cs typeface="Consolas" pitchFamily="49" charset="0"/>
+                </a:rPr>
+                <a:t>o</a:t>
+              </a:r>
+            </a:p>
+          </p:txBody>
+        </p:sp>
+        <p:sp>
+          <p:nvSpPr>
+            <p:cNvPr id="15" name="Retângulo 14">
+              <a:extLst>
+                <a:ext uri="{FF2B5EF4-FFF2-40B4-BE49-F238E27FC236}">
+                  <a16:creationId xmlns:a16="http://schemas.microsoft.com/office/drawing/2014/main" id="{D3ACF093-E55F-44FC-9096-9FBE65BB442E}"/>
+                </a:ext>
+              </a:extLst>
+            </p:cNvPr>
+            <p:cNvSpPr/>
+            <p:nvPr/>
+          </p:nvSpPr>
+          <p:spPr>
+            <a:xfrm>
+              <a:off x="7213784" y="2850086"/>
+              <a:ext cx="353763" cy="357190"/>
+            </a:xfrm>
+            <a:prstGeom prst="rect">
+              <a:avLst/>
+            </a:prstGeom>
+            <a:solidFill>
+              <a:schemeClr val="accent3">
+                <a:lumMod val="75000"/>
+              </a:schemeClr>
+            </a:solidFill>
+            <a:ln>
+              <a:noFill/>
+            </a:ln>
+            <a:effectLst>
+              <a:outerShdw blurRad="107950" dist="12700" dir="5400000" algn="ctr">
+                <a:srgbClr val="000000"/>
+              </a:outerShdw>
+            </a:effectLst>
+            <a:scene3d>
+              <a:camera prst="orthographicFront">
+                <a:rot lat="0" lon="0" rev="0"/>
+              </a:camera>
+              <a:lightRig rig="soft" dir="t">
+                <a:rot lat="0" lon="0" rev="0"/>
+              </a:lightRig>
+            </a:scene3d>
+            <a:sp3d contourW="44450" prstMaterial="matte">
+              <a:bevelT w="63500" h="63500" prst="artDeco"/>
+              <a:contourClr>
+                <a:srgbClr val="FFFFFF"/>
+              </a:contourClr>
+            </a:sp3d>
+          </p:spPr>
+          <p:style>
+            <a:lnRef idx="2">
+              <a:schemeClr val="accent1">
+                <a:shade val="50000"/>
+              </a:schemeClr>
+            </a:lnRef>
+            <a:fillRef idx="1">
+              <a:schemeClr val="accent1"/>
+            </a:fillRef>
+            <a:effectRef idx="0">
+              <a:schemeClr val="accent1"/>
+            </a:effectRef>
+            <a:fontRef idx="minor">
+              <a:schemeClr val="lt1"/>
+            </a:fontRef>
+          </p:style>
+          <p:txBody>
+            <a:bodyPr rtlCol="0" anchor="ctr"/>
+            <a:lstStyle/>
+            <a:p>
+              <a:pPr algn="ctr"/>
+              <a:r>
+                <a:rPr lang="pt-BR" sz="1400" dirty="0">
+                  <a:solidFill>
+                    <a:schemeClr val="bg1"/>
+                  </a:solidFill>
+                  <a:latin typeface="Consolas" pitchFamily="49" charset="0"/>
+                  <a:cs typeface="Consolas" pitchFamily="49" charset="0"/>
+                </a:rPr>
+                <a:t>a</a:t>
+              </a:r>
+            </a:p>
+          </p:txBody>
+        </p:sp>
+        <p:sp>
+          <p:nvSpPr>
+            <p:cNvPr id="16" name="Retângulo 15">
+              <a:extLst>
+                <a:ext uri="{FF2B5EF4-FFF2-40B4-BE49-F238E27FC236}">
+                  <a16:creationId xmlns:a16="http://schemas.microsoft.com/office/drawing/2014/main" id="{2ACB4A7F-7D37-4956-9271-03548B6EFB04}"/>
+                </a:ext>
+              </a:extLst>
+            </p:cNvPr>
+            <p:cNvSpPr/>
+            <p:nvPr/>
+          </p:nvSpPr>
+          <p:spPr>
+            <a:xfrm>
+              <a:off x="7567546" y="2850086"/>
+              <a:ext cx="353763" cy="357190"/>
+            </a:xfrm>
+            <a:prstGeom prst="rect">
+              <a:avLst/>
+            </a:prstGeom>
+            <a:solidFill>
+              <a:schemeClr val="accent3">
+                <a:lumMod val="75000"/>
+              </a:schemeClr>
+            </a:solidFill>
+            <a:ln>
+              <a:noFill/>
+            </a:ln>
+            <a:effectLst>
+              <a:outerShdw blurRad="107950" dist="12700" dir="5400000" algn="ctr">
+                <a:srgbClr val="000000"/>
+              </a:outerShdw>
+            </a:effectLst>
+            <a:scene3d>
+              <a:camera prst="orthographicFront">
+                <a:rot lat="0" lon="0" rev="0"/>
+              </a:camera>
+              <a:lightRig rig="soft" dir="t">
+                <a:rot lat="0" lon="0" rev="0"/>
+              </a:lightRig>
+            </a:scene3d>
+            <a:sp3d contourW="44450" prstMaterial="matte">
+              <a:bevelT w="63500" h="63500" prst="artDeco"/>
+              <a:contourClr>
+                <a:srgbClr val="FFFFFF"/>
+              </a:contourClr>
+            </a:sp3d>
+          </p:spPr>
+          <p:style>
+            <a:lnRef idx="2">
+              <a:schemeClr val="accent1">
+                <a:shade val="50000"/>
+              </a:schemeClr>
+            </a:lnRef>
+            <a:fillRef idx="1">
+              <a:schemeClr val="accent1"/>
+            </a:fillRef>
+            <a:effectRef idx="0">
+              <a:schemeClr val="accent1"/>
+            </a:effectRef>
+            <a:fontRef idx="minor">
+              <a:schemeClr val="lt1"/>
+            </a:fontRef>
+          </p:style>
+          <p:txBody>
+            <a:bodyPr rtlCol="0" anchor="ctr"/>
+            <a:lstStyle/>
+            <a:p>
+              <a:pPr algn="ctr"/>
+              <a:r>
+                <a:rPr lang="pt-BR" sz="1400" dirty="0">
+                  <a:solidFill>
+                    <a:schemeClr val="bg1"/>
+                  </a:solidFill>
+                  <a:latin typeface="Consolas" pitchFamily="49" charset="0"/>
+                  <a:cs typeface="Consolas" pitchFamily="49" charset="0"/>
+                </a:rPr>
+                <a:t>o</a:t>
+              </a:r>
+            </a:p>
+          </p:txBody>
+        </p:sp>
+        <p:sp>
+          <p:nvSpPr>
+            <p:cNvPr id="17" name="Retângulo 16">
+              <a:extLst>
+                <a:ext uri="{FF2B5EF4-FFF2-40B4-BE49-F238E27FC236}">
+                  <a16:creationId xmlns:a16="http://schemas.microsoft.com/office/drawing/2014/main" id="{96170130-AB3E-473F-BD9E-923A9E28AABB}"/>
+                </a:ext>
+              </a:extLst>
+            </p:cNvPr>
+            <p:cNvSpPr/>
+            <p:nvPr/>
+          </p:nvSpPr>
+          <p:spPr>
+            <a:xfrm>
+              <a:off x="7921309" y="2850086"/>
+              <a:ext cx="353763" cy="357190"/>
+            </a:xfrm>
+            <a:prstGeom prst="rect">
+              <a:avLst/>
+            </a:prstGeom>
+            <a:solidFill>
+              <a:schemeClr val="accent3">
+                <a:lumMod val="75000"/>
+              </a:schemeClr>
+            </a:solidFill>
+            <a:ln>
+              <a:noFill/>
+            </a:ln>
+            <a:effectLst>
+              <a:outerShdw blurRad="107950" dist="12700" dir="5400000" algn="ctr">
+                <a:srgbClr val="000000"/>
+              </a:outerShdw>
+            </a:effectLst>
+            <a:scene3d>
+              <a:camera prst="orthographicFront">
+                <a:rot lat="0" lon="0" rev="0"/>
+              </a:camera>
+              <a:lightRig rig="soft" dir="t">
+                <a:rot lat="0" lon="0" rev="0"/>
+              </a:lightRig>
+            </a:scene3d>
+            <a:sp3d contourW="44450" prstMaterial="matte">
+              <a:bevelT w="63500" h="63500" prst="artDeco"/>
+              <a:contourClr>
+                <a:srgbClr val="FFFFFF"/>
+              </a:contourClr>
+            </a:sp3d>
+          </p:spPr>
+          <p:style>
+            <a:lnRef idx="2">
+              <a:schemeClr val="accent1">
+                <a:shade val="50000"/>
+              </a:schemeClr>
+            </a:lnRef>
+            <a:fillRef idx="1">
+              <a:schemeClr val="accent1"/>
+            </a:fillRef>
+            <a:effectRef idx="0">
+              <a:schemeClr val="accent1"/>
+            </a:effectRef>
+            <a:fontRef idx="minor">
+              <a:schemeClr val="lt1"/>
+            </a:fontRef>
+          </p:style>
+          <p:txBody>
+            <a:bodyPr rtlCol="0" anchor="ctr"/>
+            <a:lstStyle/>
+            <a:p>
+              <a:pPr algn="ctr"/>
+              <a:r>
+                <a:rPr lang="pt-BR" sz="1200" dirty="0">
+                  <a:solidFill>
+                    <a:schemeClr val="bg1"/>
+                  </a:solidFill>
+                  <a:latin typeface="Consolas" pitchFamily="49" charset="0"/>
+                  <a:cs typeface="Consolas" pitchFamily="49" charset="0"/>
+                </a:rPr>
+                <a:t>z</a:t>
+              </a:r>
+            </a:p>
+          </p:txBody>
+        </p:sp>
+        <p:sp>
+          <p:nvSpPr>
+            <p:cNvPr id="18" name="Retângulo 17">
+              <a:extLst>
+                <a:ext uri="{FF2B5EF4-FFF2-40B4-BE49-F238E27FC236}">
+                  <a16:creationId xmlns:a16="http://schemas.microsoft.com/office/drawing/2014/main" id="{4F5A1660-27C8-49AD-BA06-CE4071B4D3B1}"/>
+                </a:ext>
+              </a:extLst>
+            </p:cNvPr>
+            <p:cNvSpPr/>
+            <p:nvPr/>
+          </p:nvSpPr>
+          <p:spPr>
+            <a:xfrm>
+              <a:off x="8275072" y="2850086"/>
+              <a:ext cx="353763" cy="357190"/>
+            </a:xfrm>
+            <a:prstGeom prst="rect">
+              <a:avLst/>
+            </a:prstGeom>
+            <a:solidFill>
+              <a:schemeClr val="accent3">
+                <a:lumMod val="75000"/>
+              </a:schemeClr>
+            </a:solidFill>
+            <a:ln>
+              <a:noFill/>
+            </a:ln>
+            <a:effectLst>
+              <a:outerShdw blurRad="107950" dist="12700" dir="5400000" algn="ctr">
+                <a:srgbClr val="000000"/>
+              </a:outerShdw>
+            </a:effectLst>
+            <a:scene3d>
+              <a:camera prst="orthographicFront">
+                <a:rot lat="0" lon="0" rev="0"/>
+              </a:camera>
+              <a:lightRig rig="soft" dir="t">
+                <a:rot lat="0" lon="0" rev="0"/>
+              </a:lightRig>
+            </a:scene3d>
+            <a:sp3d contourW="44450" prstMaterial="matte">
+              <a:bevelT w="63500" h="63500" prst="artDeco"/>
+              <a:contourClr>
+                <a:srgbClr val="FFFFFF"/>
+              </a:contourClr>
+            </a:sp3d>
+          </p:spPr>
+          <p:style>
+            <a:lnRef idx="2">
+              <a:schemeClr val="accent1">
+                <a:shade val="50000"/>
+              </a:schemeClr>
+            </a:lnRef>
+            <a:fillRef idx="1">
+              <a:schemeClr val="accent1"/>
+            </a:fillRef>
+            <a:effectRef idx="0">
+              <a:schemeClr val="accent1"/>
+            </a:effectRef>
+            <a:fontRef idx="minor">
+              <a:schemeClr val="lt1"/>
+            </a:fontRef>
+          </p:style>
+          <p:txBody>
+            <a:bodyPr rtlCol="0" anchor="ctr"/>
+            <a:lstStyle/>
+            <a:p>
+              <a:pPr algn="ctr"/>
+              <a:r>
+                <a:rPr lang="pt-BR" sz="1200" dirty="0">
+                  <a:solidFill>
+                    <a:schemeClr val="bg1"/>
+                  </a:solidFill>
+                  <a:latin typeface="Consolas" pitchFamily="49" charset="0"/>
+                  <a:cs typeface="Consolas" pitchFamily="49" charset="0"/>
+                </a:rPr>
+                <a:t>i</a:t>
+              </a:r>
+            </a:p>
+          </p:txBody>
+        </p:sp>
+        <p:sp>
+          <p:nvSpPr>
+            <p:cNvPr id="19" name="Retângulo 18">
+              <a:extLst>
+                <a:ext uri="{FF2B5EF4-FFF2-40B4-BE49-F238E27FC236}">
+                  <a16:creationId xmlns:a16="http://schemas.microsoft.com/office/drawing/2014/main" id="{6D93184F-308B-4303-B31C-A1023E364E22}"/>
+                </a:ext>
+              </a:extLst>
+            </p:cNvPr>
+            <p:cNvSpPr/>
+            <p:nvPr/>
+          </p:nvSpPr>
+          <p:spPr>
+            <a:xfrm>
+              <a:off x="8628835" y="2850086"/>
+              <a:ext cx="353763" cy="357190"/>
+            </a:xfrm>
+            <a:prstGeom prst="rect">
+              <a:avLst/>
+            </a:prstGeom>
+            <a:solidFill>
+              <a:schemeClr val="accent3">
+                <a:lumMod val="75000"/>
+              </a:schemeClr>
+            </a:solidFill>
+            <a:ln>
+              <a:noFill/>
+            </a:ln>
+            <a:effectLst>
+              <a:outerShdw blurRad="107950" dist="12700" dir="5400000" algn="ctr">
+                <a:srgbClr val="000000"/>
+              </a:outerShdw>
+            </a:effectLst>
+            <a:scene3d>
+              <a:camera prst="orthographicFront">
+                <a:rot lat="0" lon="0" rev="0"/>
+              </a:camera>
+              <a:lightRig rig="soft" dir="t">
+                <a:rot lat="0" lon="0" rev="0"/>
+              </a:lightRig>
+            </a:scene3d>
+            <a:sp3d contourW="44450" prstMaterial="matte">
+              <a:bevelT w="63500" h="63500" prst="artDeco"/>
+              <a:contourClr>
+                <a:srgbClr val="FFFFFF"/>
+              </a:contourClr>
+            </a:sp3d>
+          </p:spPr>
+          <p:style>
+            <a:lnRef idx="2">
+              <a:schemeClr val="accent1">
+                <a:shade val="50000"/>
+              </a:schemeClr>
+            </a:lnRef>
+            <a:fillRef idx="1">
+              <a:schemeClr val="accent1"/>
+            </a:fillRef>
+            <a:effectRef idx="0">
+              <a:schemeClr val="accent1"/>
+            </a:effectRef>
+            <a:fontRef idx="minor">
+              <a:schemeClr val="lt1"/>
+            </a:fontRef>
+          </p:style>
+          <p:txBody>
+            <a:bodyPr rtlCol="0" anchor="ctr"/>
+            <a:lstStyle/>
+            <a:p>
+              <a:pPr algn="ctr"/>
+              <a:r>
+                <a:rPr lang="pt-BR" sz="1200" dirty="0">
+                  <a:solidFill>
+                    <a:schemeClr val="bg1"/>
+                  </a:solidFill>
+                  <a:latin typeface="Consolas" pitchFamily="49" charset="0"/>
+                  <a:cs typeface="Consolas" pitchFamily="49" charset="0"/>
+                </a:rPr>
+                <a:t>n</a:t>
+              </a:r>
+            </a:p>
+          </p:txBody>
+        </p:sp>
+        <p:sp>
+          <p:nvSpPr>
+            <p:cNvPr id="20" name="Retângulo 19">
+              <a:extLst>
+                <a:ext uri="{FF2B5EF4-FFF2-40B4-BE49-F238E27FC236}">
+                  <a16:creationId xmlns:a16="http://schemas.microsoft.com/office/drawing/2014/main" id="{ED95E277-23F4-4FC8-9F55-307EF15A718D}"/>
+                </a:ext>
+              </a:extLst>
+            </p:cNvPr>
+            <p:cNvSpPr/>
+            <p:nvPr/>
+          </p:nvSpPr>
+          <p:spPr>
+            <a:xfrm>
+              <a:off x="8982597" y="2850086"/>
+              <a:ext cx="353763" cy="357190"/>
+            </a:xfrm>
+            <a:prstGeom prst="rect">
+              <a:avLst/>
+            </a:prstGeom>
+            <a:solidFill>
+              <a:schemeClr val="accent3">
+                <a:lumMod val="75000"/>
+              </a:schemeClr>
+            </a:solidFill>
+            <a:ln>
+              <a:noFill/>
+            </a:ln>
+            <a:effectLst>
+              <a:outerShdw blurRad="107950" dist="12700" dir="5400000" algn="ctr">
+                <a:srgbClr val="000000"/>
+              </a:outerShdw>
+            </a:effectLst>
+            <a:scene3d>
+              <a:camera prst="orthographicFront">
+                <a:rot lat="0" lon="0" rev="0"/>
+              </a:camera>
+              <a:lightRig rig="soft" dir="t">
+                <a:rot lat="0" lon="0" rev="0"/>
+              </a:lightRig>
+            </a:scene3d>
+            <a:sp3d contourW="44450" prstMaterial="matte">
+              <a:bevelT w="63500" h="63500" prst="artDeco"/>
+              <a:contourClr>
+                <a:srgbClr val="FFFFFF"/>
+              </a:contourClr>
+            </a:sp3d>
+          </p:spPr>
+          <p:style>
+            <a:lnRef idx="2">
+              <a:schemeClr val="accent1">
+                <a:shade val="50000"/>
+              </a:schemeClr>
+            </a:lnRef>
+            <a:fillRef idx="1">
+              <a:schemeClr val="accent1"/>
+            </a:fillRef>
+            <a:effectRef idx="0">
+              <a:schemeClr val="accent1"/>
+            </a:effectRef>
+            <a:fontRef idx="minor">
+              <a:schemeClr val="lt1"/>
+            </a:fontRef>
+          </p:style>
+          <p:txBody>
+            <a:bodyPr rtlCol="0" anchor="ctr"/>
+            <a:lstStyle/>
+            <a:p>
+              <a:pPr algn="ctr"/>
+              <a:r>
+                <a:rPr lang="pt-BR" sz="1200" dirty="0">
+                  <a:solidFill>
+                    <a:schemeClr val="bg1"/>
+                  </a:solidFill>
+                  <a:latin typeface="Consolas" pitchFamily="49" charset="0"/>
+                  <a:cs typeface="Consolas" pitchFamily="49" charset="0"/>
+                </a:rPr>
+                <a:t>h</a:t>
+              </a:r>
+            </a:p>
+          </p:txBody>
+        </p:sp>
+        <p:sp>
+          <p:nvSpPr>
+            <p:cNvPr id="21" name="CaixaDeTexto 20">
+              <a:extLst>
+                <a:ext uri="{FF2B5EF4-FFF2-40B4-BE49-F238E27FC236}">
+                  <a16:creationId xmlns:a16="http://schemas.microsoft.com/office/drawing/2014/main" id="{B01460E3-D792-40E9-A31D-FA389542BE7E}"/>
+                </a:ext>
+              </a:extLst>
+            </p:cNvPr>
+            <p:cNvSpPr txBox="1"/>
+            <p:nvPr/>
+          </p:nvSpPr>
+          <p:spPr>
+            <a:xfrm>
+              <a:off x="6565218" y="2492896"/>
+              <a:ext cx="215917" cy="261610"/>
+            </a:xfrm>
+            <a:prstGeom prst="rect">
+              <a:avLst/>
+            </a:prstGeom>
+            <a:noFill/>
+          </p:spPr>
+          <p:txBody>
+            <a:bodyPr wrap="none" rtlCol="0">
+              <a:spAutoFit/>
+            </a:bodyPr>
+            <a:lstStyle/>
+            <a:p>
+              <a:r>
+                <a:rPr lang="pt-BR" sz="1100" dirty="0">
+                  <a:latin typeface="Consolas" pitchFamily="49" charset="0"/>
+                  <a:cs typeface="Consolas" pitchFamily="49" charset="0"/>
+                </a:rPr>
+                <a:t>0</a:t>
+              </a:r>
+            </a:p>
+          </p:txBody>
+        </p:sp>
+        <p:sp>
+          <p:nvSpPr>
+            <p:cNvPr id="22" name="CaixaDeTexto 21">
+              <a:extLst>
+                <a:ext uri="{FF2B5EF4-FFF2-40B4-BE49-F238E27FC236}">
+                  <a16:creationId xmlns:a16="http://schemas.microsoft.com/office/drawing/2014/main" id="{900F844E-67B3-41FC-BBBE-42F952537ED8}"/>
+                </a:ext>
+              </a:extLst>
+            </p:cNvPr>
+            <p:cNvSpPr txBox="1"/>
+            <p:nvPr/>
+          </p:nvSpPr>
+          <p:spPr>
+            <a:xfrm>
+              <a:off x="6938907" y="2492896"/>
+              <a:ext cx="215917" cy="261610"/>
+            </a:xfrm>
+            <a:prstGeom prst="rect">
+              <a:avLst/>
+            </a:prstGeom>
+            <a:noFill/>
+          </p:spPr>
+          <p:txBody>
+            <a:bodyPr wrap="none" rtlCol="0">
+              <a:spAutoFit/>
+            </a:bodyPr>
+            <a:lstStyle/>
+            <a:p>
+              <a:r>
+                <a:rPr lang="pt-BR" sz="1100" dirty="0">
+                  <a:latin typeface="Consolas" pitchFamily="49" charset="0"/>
+                  <a:cs typeface="Consolas" pitchFamily="49" charset="0"/>
+                </a:rPr>
+                <a:t>1</a:t>
+              </a:r>
+            </a:p>
+          </p:txBody>
+        </p:sp>
+        <p:sp>
+          <p:nvSpPr>
+            <p:cNvPr id="23" name="CaixaDeTexto 22">
+              <a:extLst>
+                <a:ext uri="{FF2B5EF4-FFF2-40B4-BE49-F238E27FC236}">
+                  <a16:creationId xmlns:a16="http://schemas.microsoft.com/office/drawing/2014/main" id="{100D8FEB-6C06-4C4B-897C-7E872D2B8E59}"/>
+                </a:ext>
+              </a:extLst>
+            </p:cNvPr>
+            <p:cNvSpPr txBox="1"/>
+            <p:nvPr/>
+          </p:nvSpPr>
+          <p:spPr>
+            <a:xfrm>
+              <a:off x="7272744" y="2492896"/>
+              <a:ext cx="215917" cy="261610"/>
+            </a:xfrm>
+            <a:prstGeom prst="rect">
+              <a:avLst/>
+            </a:prstGeom>
+            <a:noFill/>
+          </p:spPr>
+          <p:txBody>
+            <a:bodyPr wrap="none" rtlCol="0">
+              <a:spAutoFit/>
+            </a:bodyPr>
+            <a:lstStyle/>
+            <a:p>
+              <a:r>
+                <a:rPr lang="pt-BR" sz="1100" dirty="0">
+                  <a:latin typeface="Consolas" pitchFamily="49" charset="0"/>
+                  <a:cs typeface="Consolas" pitchFamily="49" charset="0"/>
+                </a:rPr>
+                <a:t>2</a:t>
+              </a:r>
+            </a:p>
+          </p:txBody>
+        </p:sp>
+        <p:sp>
+          <p:nvSpPr>
+            <p:cNvPr id="24" name="CaixaDeTexto 23">
+              <a:extLst>
+                <a:ext uri="{FF2B5EF4-FFF2-40B4-BE49-F238E27FC236}">
+                  <a16:creationId xmlns:a16="http://schemas.microsoft.com/office/drawing/2014/main" id="{BB38A1C1-B29D-470A-98DF-41203B7DDC60}"/>
+                </a:ext>
+              </a:extLst>
+            </p:cNvPr>
+            <p:cNvSpPr txBox="1"/>
+            <p:nvPr/>
+          </p:nvSpPr>
+          <p:spPr>
+            <a:xfrm>
+              <a:off x="7626507" y="2492896"/>
+              <a:ext cx="215917" cy="261610"/>
+            </a:xfrm>
+            <a:prstGeom prst="rect">
+              <a:avLst/>
+            </a:prstGeom>
+            <a:noFill/>
+          </p:spPr>
+          <p:txBody>
+            <a:bodyPr wrap="none" rtlCol="0">
+              <a:spAutoFit/>
+            </a:bodyPr>
+            <a:lstStyle/>
+            <a:p>
+              <a:r>
+                <a:rPr lang="pt-BR" sz="1100" dirty="0">
+                  <a:latin typeface="Consolas" pitchFamily="49" charset="0"/>
+                  <a:cs typeface="Consolas" pitchFamily="49" charset="0"/>
+                </a:rPr>
+                <a:t>3</a:t>
+              </a:r>
+            </a:p>
+          </p:txBody>
+        </p:sp>
+        <p:sp>
+          <p:nvSpPr>
+            <p:cNvPr id="25" name="CaixaDeTexto 24">
+              <a:extLst>
+                <a:ext uri="{FF2B5EF4-FFF2-40B4-BE49-F238E27FC236}">
+                  <a16:creationId xmlns:a16="http://schemas.microsoft.com/office/drawing/2014/main" id="{79832FCB-A216-4C23-AA60-3FB00999D61D}"/>
+                </a:ext>
+              </a:extLst>
+            </p:cNvPr>
+            <p:cNvSpPr txBox="1"/>
+            <p:nvPr/>
+          </p:nvSpPr>
+          <p:spPr>
+            <a:xfrm>
+              <a:off x="7980269" y="2492896"/>
+              <a:ext cx="215917" cy="261610"/>
+            </a:xfrm>
+            <a:prstGeom prst="rect">
+              <a:avLst/>
+            </a:prstGeom>
+            <a:noFill/>
+          </p:spPr>
+          <p:txBody>
+            <a:bodyPr wrap="none" rtlCol="0">
+              <a:spAutoFit/>
+            </a:bodyPr>
+            <a:lstStyle/>
+            <a:p>
+              <a:r>
+                <a:rPr lang="pt-BR" sz="1100" dirty="0">
+                  <a:latin typeface="Consolas" pitchFamily="49" charset="0"/>
+                  <a:cs typeface="Consolas" pitchFamily="49" charset="0"/>
+                </a:rPr>
+                <a:t>4</a:t>
+              </a:r>
+            </a:p>
+          </p:txBody>
+        </p:sp>
+        <p:sp>
+          <p:nvSpPr>
+            <p:cNvPr id="26" name="CaixaDeTexto 25">
+              <a:extLst>
+                <a:ext uri="{FF2B5EF4-FFF2-40B4-BE49-F238E27FC236}">
+                  <a16:creationId xmlns:a16="http://schemas.microsoft.com/office/drawing/2014/main" id="{8766A206-DD26-40F1-BD40-128A8D71706E}"/>
+                </a:ext>
+              </a:extLst>
+            </p:cNvPr>
+            <p:cNvSpPr txBox="1"/>
+            <p:nvPr/>
+          </p:nvSpPr>
+          <p:spPr>
+            <a:xfrm>
+              <a:off x="8334032" y="2492896"/>
+              <a:ext cx="215917" cy="261610"/>
+            </a:xfrm>
+            <a:prstGeom prst="rect">
+              <a:avLst/>
+            </a:prstGeom>
+            <a:noFill/>
+          </p:spPr>
+          <p:txBody>
+            <a:bodyPr wrap="none" rtlCol="0">
+              <a:spAutoFit/>
+            </a:bodyPr>
+            <a:lstStyle/>
+            <a:p>
+              <a:r>
+                <a:rPr lang="pt-BR" sz="1100" dirty="0">
+                  <a:latin typeface="Consolas" pitchFamily="49" charset="0"/>
+                  <a:cs typeface="Consolas" pitchFamily="49" charset="0"/>
+                </a:rPr>
+                <a:t>5</a:t>
+              </a:r>
+            </a:p>
+          </p:txBody>
+        </p:sp>
+        <p:sp>
+          <p:nvSpPr>
+            <p:cNvPr id="27" name="CaixaDeTexto 26">
+              <a:extLst>
+                <a:ext uri="{FF2B5EF4-FFF2-40B4-BE49-F238E27FC236}">
+                  <a16:creationId xmlns:a16="http://schemas.microsoft.com/office/drawing/2014/main" id="{22F1B96F-9877-48E5-93C5-A2067C211BAB}"/>
+                </a:ext>
+              </a:extLst>
+            </p:cNvPr>
+            <p:cNvSpPr txBox="1"/>
+            <p:nvPr/>
+          </p:nvSpPr>
+          <p:spPr>
+            <a:xfrm>
+              <a:off x="8687795" y="2492896"/>
+              <a:ext cx="215917" cy="261610"/>
+            </a:xfrm>
+            <a:prstGeom prst="rect">
+              <a:avLst/>
+            </a:prstGeom>
+            <a:noFill/>
+          </p:spPr>
+          <p:txBody>
+            <a:bodyPr wrap="none" rtlCol="0">
+              <a:spAutoFit/>
+            </a:bodyPr>
+            <a:lstStyle/>
+            <a:p>
+              <a:r>
+                <a:rPr lang="pt-BR" sz="1100" dirty="0">
+                  <a:latin typeface="Consolas" pitchFamily="49" charset="0"/>
+                  <a:cs typeface="Consolas" pitchFamily="49" charset="0"/>
+                </a:rPr>
+                <a:t>6</a:t>
+              </a:r>
+            </a:p>
+          </p:txBody>
+        </p:sp>
+        <p:sp>
+          <p:nvSpPr>
+            <p:cNvPr id="28" name="CaixaDeTexto 27">
+              <a:extLst>
+                <a:ext uri="{FF2B5EF4-FFF2-40B4-BE49-F238E27FC236}">
+                  <a16:creationId xmlns:a16="http://schemas.microsoft.com/office/drawing/2014/main" id="{550A9096-768A-46E2-835B-96E7E2ED0099}"/>
+                </a:ext>
+              </a:extLst>
+            </p:cNvPr>
+            <p:cNvSpPr txBox="1"/>
+            <p:nvPr/>
+          </p:nvSpPr>
+          <p:spPr>
+            <a:xfrm>
+              <a:off x="9041558" y="2492896"/>
+              <a:ext cx="215917" cy="261610"/>
+            </a:xfrm>
+            <a:prstGeom prst="rect">
+              <a:avLst/>
+            </a:prstGeom>
+            <a:noFill/>
+          </p:spPr>
+          <p:txBody>
+            <a:bodyPr wrap="none" rtlCol="0">
+              <a:spAutoFit/>
+            </a:bodyPr>
+            <a:lstStyle/>
+            <a:p>
+              <a:r>
+                <a:rPr lang="pt-BR" sz="1100" dirty="0">
+                  <a:latin typeface="Consolas" pitchFamily="49" charset="0"/>
+                  <a:cs typeface="Consolas" pitchFamily="49" charset="0"/>
+                </a:rPr>
+                <a:t>7</a:t>
+              </a:r>
+            </a:p>
+          </p:txBody>
+        </p:sp>
+        <p:sp>
+          <p:nvSpPr>
+            <p:cNvPr id="29" name="Retângulo 28">
+              <a:extLst>
+                <a:ext uri="{FF2B5EF4-FFF2-40B4-BE49-F238E27FC236}">
+                  <a16:creationId xmlns:a16="http://schemas.microsoft.com/office/drawing/2014/main" id="{7796A66E-E005-43E5-8CE4-ACD047F67BA1}"/>
+                </a:ext>
+              </a:extLst>
+            </p:cNvPr>
+            <p:cNvSpPr/>
+            <p:nvPr/>
+          </p:nvSpPr>
+          <p:spPr>
+            <a:xfrm>
+              <a:off x="9336360" y="2850086"/>
+              <a:ext cx="353763" cy="357190"/>
+            </a:xfrm>
+            <a:prstGeom prst="rect">
+              <a:avLst/>
+            </a:prstGeom>
+            <a:solidFill>
+              <a:schemeClr val="accent3">
+                <a:lumMod val="75000"/>
+              </a:schemeClr>
+            </a:solidFill>
+            <a:ln>
+              <a:noFill/>
+            </a:ln>
+            <a:effectLst>
+              <a:outerShdw blurRad="107950" dist="12700" dir="5400000" algn="ctr">
+                <a:srgbClr val="000000"/>
+              </a:outerShdw>
+            </a:effectLst>
+            <a:scene3d>
+              <a:camera prst="orthographicFront">
+                <a:rot lat="0" lon="0" rev="0"/>
+              </a:camera>
+              <a:lightRig rig="soft" dir="t">
+                <a:rot lat="0" lon="0" rev="0"/>
+              </a:lightRig>
+            </a:scene3d>
+            <a:sp3d contourW="44450" prstMaterial="matte">
+              <a:bevelT w="63500" h="63500" prst="artDeco"/>
+              <a:contourClr>
+                <a:srgbClr val="FFFFFF"/>
+              </a:contourClr>
+            </a:sp3d>
+          </p:spPr>
+          <p:style>
+            <a:lnRef idx="2">
+              <a:schemeClr val="accent1">
+                <a:shade val="50000"/>
+              </a:schemeClr>
+            </a:lnRef>
+            <a:fillRef idx="1">
+              <a:schemeClr val="accent1"/>
+            </a:fillRef>
+            <a:effectRef idx="0">
+              <a:schemeClr val="accent1"/>
+            </a:effectRef>
+            <a:fontRef idx="minor">
+              <a:schemeClr val="lt1"/>
+            </a:fontRef>
+          </p:style>
+          <p:txBody>
+            <a:bodyPr rtlCol="0" anchor="ctr"/>
+            <a:lstStyle/>
+            <a:p>
+              <a:pPr algn="ctr"/>
+              <a:r>
+                <a:rPr lang="pt-BR" sz="1200" dirty="0">
+                  <a:solidFill>
+                    <a:schemeClr val="bg1"/>
+                  </a:solidFill>
+                  <a:latin typeface="Consolas" pitchFamily="49" charset="0"/>
+                  <a:cs typeface="Consolas" pitchFamily="49" charset="0"/>
+                </a:rPr>
+                <a:t>o</a:t>
+              </a:r>
+            </a:p>
+          </p:txBody>
+        </p:sp>
+        <p:sp>
+          <p:nvSpPr>
+            <p:cNvPr id="30" name="Retângulo 29">
+              <a:extLst>
+                <a:ext uri="{FF2B5EF4-FFF2-40B4-BE49-F238E27FC236}">
+                  <a16:creationId xmlns:a16="http://schemas.microsoft.com/office/drawing/2014/main" id="{8DD1BD15-DF8E-45BC-9D43-591EF2ED8BC5}"/>
+                </a:ext>
+              </a:extLst>
+            </p:cNvPr>
+            <p:cNvSpPr/>
+            <p:nvPr/>
+          </p:nvSpPr>
+          <p:spPr>
+            <a:xfrm>
+              <a:off x="9690122" y="2850086"/>
+              <a:ext cx="353763" cy="357190"/>
+            </a:xfrm>
+            <a:prstGeom prst="rect">
+              <a:avLst/>
+            </a:prstGeom>
+            <a:solidFill>
+              <a:schemeClr val="accent3">
+                <a:lumMod val="75000"/>
+              </a:schemeClr>
+            </a:solidFill>
+            <a:ln>
+              <a:noFill/>
+            </a:ln>
+            <a:effectLst>
+              <a:outerShdw blurRad="107950" dist="12700" dir="5400000" algn="ctr">
+                <a:srgbClr val="000000"/>
+              </a:outerShdw>
+            </a:effectLst>
+            <a:scene3d>
+              <a:camera prst="orthographicFront">
+                <a:rot lat="0" lon="0" rev="0"/>
+              </a:camera>
+              <a:lightRig rig="soft" dir="t">
+                <a:rot lat="0" lon="0" rev="0"/>
+              </a:lightRig>
+            </a:scene3d>
+            <a:sp3d contourW="44450" prstMaterial="matte">
+              <a:bevelT w="63500" h="63500" prst="artDeco"/>
+              <a:contourClr>
+                <a:srgbClr val="FFFFFF"/>
+              </a:contourClr>
+            </a:sp3d>
+          </p:spPr>
+          <p:style>
+            <a:lnRef idx="2">
+              <a:schemeClr val="accent1">
+                <a:shade val="50000"/>
+              </a:schemeClr>
+            </a:lnRef>
+            <a:fillRef idx="1">
+              <a:schemeClr val="accent1"/>
+            </a:fillRef>
+            <a:effectRef idx="0">
+              <a:schemeClr val="accent1"/>
+            </a:effectRef>
+            <a:fontRef idx="minor">
+              <a:schemeClr val="lt1"/>
+            </a:fontRef>
+          </p:style>
+          <p:txBody>
+            <a:bodyPr rtlCol="0" anchor="ctr"/>
+            <a:lstStyle/>
+            <a:p>
+              <a:pPr algn="ctr"/>
+              <a:r>
+                <a:rPr lang="pt-BR" sz="1200" dirty="0">
+                  <a:solidFill>
+                    <a:schemeClr val="bg1"/>
+                  </a:solidFill>
+                  <a:latin typeface="Consolas" pitchFamily="49" charset="0"/>
+                  <a:cs typeface="Consolas" pitchFamily="49" charset="0"/>
+                </a:rPr>
+                <a:t>\0</a:t>
+              </a:r>
+            </a:p>
+          </p:txBody>
+        </p:sp>
+        <p:sp>
+          <p:nvSpPr>
+            <p:cNvPr id="31" name="CaixaDeTexto 30">
+              <a:extLst>
+                <a:ext uri="{FF2B5EF4-FFF2-40B4-BE49-F238E27FC236}">
+                  <a16:creationId xmlns:a16="http://schemas.microsoft.com/office/drawing/2014/main" id="{13B7E3FF-747D-4B47-9E5D-9E62A55A9498}"/>
+                </a:ext>
+              </a:extLst>
+            </p:cNvPr>
+            <p:cNvSpPr txBox="1"/>
+            <p:nvPr/>
+          </p:nvSpPr>
+          <p:spPr>
+            <a:xfrm>
+              <a:off x="9371460" y="2492896"/>
+              <a:ext cx="261610" cy="261610"/>
+            </a:xfrm>
+            <a:prstGeom prst="rect">
+              <a:avLst/>
+            </a:prstGeom>
+            <a:noFill/>
+          </p:spPr>
+          <p:txBody>
+            <a:bodyPr wrap="none" rtlCol="0">
+              <a:spAutoFit/>
+            </a:bodyPr>
+            <a:lstStyle/>
+            <a:p>
+              <a:r>
+                <a:rPr lang="pt-BR" sz="1100" dirty="0">
+                  <a:latin typeface="Consolas" pitchFamily="49" charset="0"/>
+                  <a:cs typeface="Consolas" pitchFamily="49" charset="0"/>
+                </a:rPr>
+                <a:t>8</a:t>
+              </a:r>
+            </a:p>
+          </p:txBody>
+        </p:sp>
+        <p:sp>
+          <p:nvSpPr>
+            <p:cNvPr id="32" name="CaixaDeTexto 31">
+              <a:extLst>
+                <a:ext uri="{FF2B5EF4-FFF2-40B4-BE49-F238E27FC236}">
+                  <a16:creationId xmlns:a16="http://schemas.microsoft.com/office/drawing/2014/main" id="{37D593DE-D01B-440D-A1F9-3406413FE00D}"/>
+                </a:ext>
+              </a:extLst>
+            </p:cNvPr>
+            <p:cNvSpPr txBox="1"/>
+            <p:nvPr/>
+          </p:nvSpPr>
+          <p:spPr>
+            <a:xfrm>
+              <a:off x="9725223" y="2492896"/>
+              <a:ext cx="261610" cy="261610"/>
+            </a:xfrm>
+            <a:prstGeom prst="rect">
+              <a:avLst/>
+            </a:prstGeom>
+            <a:noFill/>
+          </p:spPr>
+          <p:txBody>
+            <a:bodyPr wrap="none" rtlCol="0">
+              <a:spAutoFit/>
+            </a:bodyPr>
+            <a:lstStyle/>
+            <a:p>
+              <a:r>
+                <a:rPr lang="pt-BR" sz="1100" dirty="0">
+                  <a:latin typeface="Consolas" pitchFamily="49" charset="0"/>
+                  <a:cs typeface="Consolas" pitchFamily="49" charset="0"/>
+                </a:rPr>
+                <a:t>9</a:t>
+              </a:r>
+            </a:p>
+          </p:txBody>
+        </p:sp>
+        <p:sp>
+          <p:nvSpPr>
+            <p:cNvPr id="3" name="CaixaDeTexto 2">
+              <a:extLst>
+                <a:ext uri="{FF2B5EF4-FFF2-40B4-BE49-F238E27FC236}">
+                  <a16:creationId xmlns:a16="http://schemas.microsoft.com/office/drawing/2014/main" id="{7143C737-25B7-485B-B6F9-7C56C895AE5B}"/>
+                </a:ext>
+              </a:extLst>
+            </p:cNvPr>
+            <p:cNvSpPr txBox="1"/>
+            <p:nvPr/>
+          </p:nvSpPr>
+          <p:spPr>
+            <a:xfrm>
+              <a:off x="8057704" y="2060848"/>
+              <a:ext cx="434734" cy="369332"/>
+            </a:xfrm>
+            <a:prstGeom prst="rect">
+              <a:avLst/>
+            </a:prstGeom>
+            <a:noFill/>
+          </p:spPr>
+          <p:txBody>
+            <a:bodyPr wrap="none" rtlCol="0">
+              <a:spAutoFit/>
+            </a:bodyPr>
+            <a:lstStyle/>
+            <a:p>
+              <a:r>
+                <a:rPr lang="pt-BR" dirty="0" err="1"/>
+                <a:t>str</a:t>
+              </a:r>
+              <a:endParaRPr lang="pt-BR" dirty="0"/>
+            </a:p>
+          </p:txBody>
+        </p:sp>
+      </p:grpSp>
+      <p:grpSp>
+        <p:nvGrpSpPr>
+          <p:cNvPr id="55" name="Agrupar 54">
+            <a:extLst>
+              <a:ext uri="{FF2B5EF4-FFF2-40B4-BE49-F238E27FC236}">
+                <a16:creationId xmlns:a16="http://schemas.microsoft.com/office/drawing/2014/main" id="{AEA4B72B-A851-4A59-B9E0-FFEB4F6131F2}"/>
+              </a:ext>
+            </a:extLst>
+          </p:cNvPr>
+          <p:cNvGrpSpPr/>
+          <p:nvPr/>
+        </p:nvGrpSpPr>
+        <p:grpSpPr>
+          <a:xfrm>
+            <a:off x="6565218" y="3815462"/>
+            <a:ext cx="3421615" cy="689012"/>
+            <a:chOff x="6565218" y="3815462"/>
+            <a:chExt cx="3421615" cy="689012"/>
+          </a:xfrm>
+        </p:grpSpPr>
+        <p:sp>
+          <p:nvSpPr>
+            <p:cNvPr id="41" name="CaixaDeTexto 40">
+              <a:extLst>
+                <a:ext uri="{FF2B5EF4-FFF2-40B4-BE49-F238E27FC236}">
+                  <a16:creationId xmlns:a16="http://schemas.microsoft.com/office/drawing/2014/main" id="{11A36A7A-BA3C-4AFC-9E60-E715F945DA11}"/>
+                </a:ext>
+              </a:extLst>
+            </p:cNvPr>
+            <p:cNvSpPr txBox="1"/>
+            <p:nvPr/>
+          </p:nvSpPr>
+          <p:spPr>
+            <a:xfrm>
+              <a:off x="6565218" y="3815462"/>
+              <a:ext cx="215917" cy="261610"/>
+            </a:xfrm>
+            <a:prstGeom prst="rect">
+              <a:avLst/>
+            </a:prstGeom>
+            <a:noFill/>
+          </p:spPr>
+          <p:txBody>
+            <a:bodyPr wrap="none" rtlCol="0">
+              <a:spAutoFit/>
+            </a:bodyPr>
+            <a:lstStyle/>
+            <a:p>
+              <a:r>
+                <a:rPr lang="pt-BR" sz="1100" dirty="0">
+                  <a:latin typeface="Consolas" pitchFamily="49" charset="0"/>
+                  <a:cs typeface="Consolas" pitchFamily="49" charset="0"/>
+                </a:rPr>
+                <a:t>0</a:t>
+              </a:r>
+            </a:p>
+          </p:txBody>
+        </p:sp>
+        <p:sp>
+          <p:nvSpPr>
+            <p:cNvPr id="42" name="CaixaDeTexto 41">
+              <a:extLst>
+                <a:ext uri="{FF2B5EF4-FFF2-40B4-BE49-F238E27FC236}">
+                  <a16:creationId xmlns:a16="http://schemas.microsoft.com/office/drawing/2014/main" id="{4B387A5A-F7DB-4B73-ACBB-6FF8BBB5F5D2}"/>
+                </a:ext>
+              </a:extLst>
+            </p:cNvPr>
+            <p:cNvSpPr txBox="1"/>
+            <p:nvPr/>
+          </p:nvSpPr>
+          <p:spPr>
+            <a:xfrm>
+              <a:off x="6938907" y="3815462"/>
+              <a:ext cx="215917" cy="261610"/>
+            </a:xfrm>
+            <a:prstGeom prst="rect">
+              <a:avLst/>
+            </a:prstGeom>
+            <a:noFill/>
+          </p:spPr>
+          <p:txBody>
+            <a:bodyPr wrap="none" rtlCol="0">
+              <a:spAutoFit/>
+            </a:bodyPr>
+            <a:lstStyle/>
+            <a:p>
+              <a:r>
+                <a:rPr lang="pt-BR" sz="1100" dirty="0">
+                  <a:latin typeface="Consolas" pitchFamily="49" charset="0"/>
+                  <a:cs typeface="Consolas" pitchFamily="49" charset="0"/>
+                </a:rPr>
+                <a:t>1</a:t>
+              </a:r>
+            </a:p>
+          </p:txBody>
+        </p:sp>
+        <p:sp>
+          <p:nvSpPr>
+            <p:cNvPr id="43" name="CaixaDeTexto 42">
+              <a:extLst>
+                <a:ext uri="{FF2B5EF4-FFF2-40B4-BE49-F238E27FC236}">
+                  <a16:creationId xmlns:a16="http://schemas.microsoft.com/office/drawing/2014/main" id="{DE988430-292B-4D2E-942E-3505AB393132}"/>
+                </a:ext>
+              </a:extLst>
+            </p:cNvPr>
+            <p:cNvSpPr txBox="1"/>
+            <p:nvPr/>
+          </p:nvSpPr>
+          <p:spPr>
+            <a:xfrm>
+              <a:off x="7272744" y="3815462"/>
+              <a:ext cx="215917" cy="261610"/>
+            </a:xfrm>
+            <a:prstGeom prst="rect">
+              <a:avLst/>
+            </a:prstGeom>
+            <a:noFill/>
+          </p:spPr>
+          <p:txBody>
+            <a:bodyPr wrap="none" rtlCol="0">
+              <a:spAutoFit/>
+            </a:bodyPr>
+            <a:lstStyle/>
+            <a:p>
+              <a:r>
+                <a:rPr lang="pt-BR" sz="1100" dirty="0">
+                  <a:latin typeface="Consolas" pitchFamily="49" charset="0"/>
+                  <a:cs typeface="Consolas" pitchFamily="49" charset="0"/>
+                </a:rPr>
+                <a:t>2</a:t>
+              </a:r>
+            </a:p>
+          </p:txBody>
+        </p:sp>
+        <p:sp>
+          <p:nvSpPr>
+            <p:cNvPr id="44" name="CaixaDeTexto 43">
+              <a:extLst>
+                <a:ext uri="{FF2B5EF4-FFF2-40B4-BE49-F238E27FC236}">
+                  <a16:creationId xmlns:a16="http://schemas.microsoft.com/office/drawing/2014/main" id="{B28DBE78-F536-4DC7-A4EB-476AF145209F}"/>
+                </a:ext>
+              </a:extLst>
+            </p:cNvPr>
+            <p:cNvSpPr txBox="1"/>
+            <p:nvPr/>
+          </p:nvSpPr>
+          <p:spPr>
+            <a:xfrm>
+              <a:off x="7626507" y="3815462"/>
+              <a:ext cx="215917" cy="261610"/>
+            </a:xfrm>
+            <a:prstGeom prst="rect">
+              <a:avLst/>
+            </a:prstGeom>
+            <a:noFill/>
+          </p:spPr>
+          <p:txBody>
+            <a:bodyPr wrap="none" rtlCol="0">
+              <a:spAutoFit/>
+            </a:bodyPr>
+            <a:lstStyle/>
+            <a:p>
+              <a:r>
+                <a:rPr lang="pt-BR" sz="1100" dirty="0">
+                  <a:latin typeface="Consolas" pitchFamily="49" charset="0"/>
+                  <a:cs typeface="Consolas" pitchFamily="49" charset="0"/>
+                </a:rPr>
+                <a:t>3</a:t>
+              </a:r>
+            </a:p>
+          </p:txBody>
+        </p:sp>
+        <p:sp>
+          <p:nvSpPr>
+            <p:cNvPr id="45" name="CaixaDeTexto 44">
+              <a:extLst>
+                <a:ext uri="{FF2B5EF4-FFF2-40B4-BE49-F238E27FC236}">
+                  <a16:creationId xmlns:a16="http://schemas.microsoft.com/office/drawing/2014/main" id="{19B0E933-8243-4037-8C59-6B465BABD0ED}"/>
+                </a:ext>
+              </a:extLst>
+            </p:cNvPr>
+            <p:cNvSpPr txBox="1"/>
+            <p:nvPr/>
+          </p:nvSpPr>
+          <p:spPr>
+            <a:xfrm>
+              <a:off x="7980269" y="3815462"/>
+              <a:ext cx="215917" cy="261610"/>
+            </a:xfrm>
+            <a:prstGeom prst="rect">
+              <a:avLst/>
+            </a:prstGeom>
+            <a:noFill/>
+          </p:spPr>
+          <p:txBody>
+            <a:bodyPr wrap="none" rtlCol="0">
+              <a:spAutoFit/>
+            </a:bodyPr>
+            <a:lstStyle/>
+            <a:p>
+              <a:r>
+                <a:rPr lang="pt-BR" sz="1100" dirty="0">
+                  <a:latin typeface="Consolas" pitchFamily="49" charset="0"/>
+                  <a:cs typeface="Consolas" pitchFamily="49" charset="0"/>
+                </a:rPr>
+                <a:t>4</a:t>
+              </a:r>
+            </a:p>
+          </p:txBody>
+        </p:sp>
+        <p:sp>
+          <p:nvSpPr>
+            <p:cNvPr id="46" name="CaixaDeTexto 45">
+              <a:extLst>
+                <a:ext uri="{FF2B5EF4-FFF2-40B4-BE49-F238E27FC236}">
+                  <a16:creationId xmlns:a16="http://schemas.microsoft.com/office/drawing/2014/main" id="{FBD8E6C1-46CC-4F13-B71E-B32FEF0AD52F}"/>
+                </a:ext>
+              </a:extLst>
+            </p:cNvPr>
+            <p:cNvSpPr txBox="1"/>
+            <p:nvPr/>
+          </p:nvSpPr>
+          <p:spPr>
+            <a:xfrm>
+              <a:off x="8334032" y="3815462"/>
+              <a:ext cx="215917" cy="261610"/>
+            </a:xfrm>
+            <a:prstGeom prst="rect">
+              <a:avLst/>
+            </a:prstGeom>
+            <a:noFill/>
+          </p:spPr>
+          <p:txBody>
+            <a:bodyPr wrap="none" rtlCol="0">
+              <a:spAutoFit/>
+            </a:bodyPr>
+            <a:lstStyle/>
+            <a:p>
+              <a:r>
+                <a:rPr lang="pt-BR" sz="1100" dirty="0">
+                  <a:latin typeface="Consolas" pitchFamily="49" charset="0"/>
+                  <a:cs typeface="Consolas" pitchFamily="49" charset="0"/>
+                </a:rPr>
+                <a:t>5</a:t>
+              </a:r>
+            </a:p>
+          </p:txBody>
+        </p:sp>
+        <p:sp>
+          <p:nvSpPr>
+            <p:cNvPr id="47" name="CaixaDeTexto 46">
+              <a:extLst>
+                <a:ext uri="{FF2B5EF4-FFF2-40B4-BE49-F238E27FC236}">
+                  <a16:creationId xmlns:a16="http://schemas.microsoft.com/office/drawing/2014/main" id="{160F612C-374F-4545-BD16-B4D7B4F2D4D5}"/>
+                </a:ext>
+              </a:extLst>
+            </p:cNvPr>
+            <p:cNvSpPr txBox="1"/>
+            <p:nvPr/>
+          </p:nvSpPr>
+          <p:spPr>
+            <a:xfrm>
+              <a:off x="8687795" y="3815462"/>
+              <a:ext cx="215917" cy="261610"/>
+            </a:xfrm>
+            <a:prstGeom prst="rect">
+              <a:avLst/>
+            </a:prstGeom>
+            <a:noFill/>
+          </p:spPr>
+          <p:txBody>
+            <a:bodyPr wrap="none" rtlCol="0">
+              <a:spAutoFit/>
+            </a:bodyPr>
+            <a:lstStyle/>
+            <a:p>
+              <a:r>
+                <a:rPr lang="pt-BR" sz="1100" dirty="0">
+                  <a:latin typeface="Consolas" pitchFamily="49" charset="0"/>
+                  <a:cs typeface="Consolas" pitchFamily="49" charset="0"/>
+                </a:rPr>
+                <a:t>6</a:t>
+              </a:r>
+            </a:p>
+          </p:txBody>
+        </p:sp>
+        <p:sp>
+          <p:nvSpPr>
+            <p:cNvPr id="48" name="CaixaDeTexto 47">
+              <a:extLst>
+                <a:ext uri="{FF2B5EF4-FFF2-40B4-BE49-F238E27FC236}">
+                  <a16:creationId xmlns:a16="http://schemas.microsoft.com/office/drawing/2014/main" id="{054C2475-420B-4820-883D-1D96FE9DB46F}"/>
+                </a:ext>
+              </a:extLst>
+            </p:cNvPr>
+            <p:cNvSpPr txBox="1"/>
+            <p:nvPr/>
+          </p:nvSpPr>
+          <p:spPr>
+            <a:xfrm>
+              <a:off x="9041558" y="3815462"/>
+              <a:ext cx="215917" cy="261610"/>
+            </a:xfrm>
+            <a:prstGeom prst="rect">
+              <a:avLst/>
+            </a:prstGeom>
+            <a:noFill/>
+          </p:spPr>
+          <p:txBody>
+            <a:bodyPr wrap="none" rtlCol="0">
+              <a:spAutoFit/>
+            </a:bodyPr>
+            <a:lstStyle/>
+            <a:p>
+              <a:r>
+                <a:rPr lang="pt-BR" sz="1100" dirty="0">
+                  <a:latin typeface="Consolas" pitchFamily="49" charset="0"/>
+                  <a:cs typeface="Consolas" pitchFamily="49" charset="0"/>
+                </a:rPr>
+                <a:t>7</a:t>
+              </a:r>
+            </a:p>
+          </p:txBody>
+        </p:sp>
+        <p:sp>
+          <p:nvSpPr>
+            <p:cNvPr id="51" name="CaixaDeTexto 50">
+              <a:extLst>
+                <a:ext uri="{FF2B5EF4-FFF2-40B4-BE49-F238E27FC236}">
+                  <a16:creationId xmlns:a16="http://schemas.microsoft.com/office/drawing/2014/main" id="{F1F0E79E-3FBA-4785-A355-A5D82717E790}"/>
+                </a:ext>
+              </a:extLst>
+            </p:cNvPr>
+            <p:cNvSpPr txBox="1"/>
+            <p:nvPr/>
+          </p:nvSpPr>
+          <p:spPr>
+            <a:xfrm>
+              <a:off x="9371460" y="3815462"/>
+              <a:ext cx="261610" cy="261610"/>
+            </a:xfrm>
+            <a:prstGeom prst="rect">
+              <a:avLst/>
+            </a:prstGeom>
+            <a:noFill/>
+          </p:spPr>
+          <p:txBody>
+            <a:bodyPr wrap="none" rtlCol="0">
+              <a:spAutoFit/>
+            </a:bodyPr>
+            <a:lstStyle/>
+            <a:p>
+              <a:r>
+                <a:rPr lang="pt-BR" sz="1100" dirty="0">
+                  <a:latin typeface="Consolas" pitchFamily="49" charset="0"/>
+                  <a:cs typeface="Consolas" pitchFamily="49" charset="0"/>
+                </a:rPr>
+                <a:t>8</a:t>
+              </a:r>
+            </a:p>
+          </p:txBody>
+        </p:sp>
+        <p:sp>
+          <p:nvSpPr>
+            <p:cNvPr id="52" name="CaixaDeTexto 51">
+              <a:extLst>
+                <a:ext uri="{FF2B5EF4-FFF2-40B4-BE49-F238E27FC236}">
+                  <a16:creationId xmlns:a16="http://schemas.microsoft.com/office/drawing/2014/main" id="{CE446589-0E04-498A-9404-98527F3EDB4E}"/>
+                </a:ext>
+              </a:extLst>
+            </p:cNvPr>
+            <p:cNvSpPr txBox="1"/>
+            <p:nvPr/>
+          </p:nvSpPr>
+          <p:spPr>
+            <a:xfrm>
+              <a:off x="9725223" y="3815462"/>
+              <a:ext cx="261610" cy="261610"/>
+            </a:xfrm>
+            <a:prstGeom prst="rect">
+              <a:avLst/>
+            </a:prstGeom>
+            <a:noFill/>
+          </p:spPr>
+          <p:txBody>
+            <a:bodyPr wrap="none" rtlCol="0">
+              <a:spAutoFit/>
+            </a:bodyPr>
+            <a:lstStyle/>
+            <a:p>
+              <a:r>
+                <a:rPr lang="pt-BR" sz="1100" dirty="0">
+                  <a:latin typeface="Consolas" pitchFamily="49" charset="0"/>
+                  <a:cs typeface="Consolas" pitchFamily="49" charset="0"/>
+                </a:rPr>
+                <a:t>9</a:t>
+              </a:r>
+            </a:p>
+          </p:txBody>
+        </p:sp>
+        <p:sp>
+          <p:nvSpPr>
+            <p:cNvPr id="53" name="CaixaDeTexto 52">
+              <a:extLst>
+                <a:ext uri="{FF2B5EF4-FFF2-40B4-BE49-F238E27FC236}">
+                  <a16:creationId xmlns:a16="http://schemas.microsoft.com/office/drawing/2014/main" id="{03B8A7E1-2372-4950-84DD-30B7219C1B91}"/>
+                </a:ext>
+              </a:extLst>
+            </p:cNvPr>
+            <p:cNvSpPr txBox="1"/>
+            <p:nvPr/>
+          </p:nvSpPr>
+          <p:spPr>
+            <a:xfrm>
+              <a:off x="7760346" y="4135142"/>
+              <a:ext cx="1029449" cy="369332"/>
+            </a:xfrm>
+            <a:prstGeom prst="rect">
+              <a:avLst/>
+            </a:prstGeom>
+            <a:noFill/>
+          </p:spPr>
+          <p:txBody>
+            <a:bodyPr wrap="none" rtlCol="0">
+              <a:spAutoFit/>
+            </a:bodyPr>
+            <a:lstStyle/>
+            <a:p>
+              <a:r>
+                <a:rPr lang="pt-BR" dirty="0"/>
+                <a:t>invertida</a:t>
+              </a:r>
+            </a:p>
+          </p:txBody>
+        </p:sp>
+      </p:grpSp>
     </p:spTree>
     <p:extLst>
       <p:ext uri="{BB962C8B-B14F-4D97-AF65-F5344CB8AC3E}">
@@ -12533,6 +15578,458 @@
   <p:clrMapOvr>
     <a:masterClrMapping/>
   </p:clrMapOvr>
+  <p:timing>
+    <p:tnLst>
+      <p:par>
+        <p:cTn id="1" dur="indefinite" restart="never" nodeType="tmRoot">
+          <p:childTnLst>
+            <p:seq concurrent="1" nextAc="seek">
+              <p:cTn id="2" dur="indefinite" nodeType="mainSeq">
+                <p:childTnLst>
+                  <p:par>
+                    <p:cTn id="3" fill="hold">
+                      <p:stCondLst>
+                        <p:cond delay="indefinite"/>
+                      </p:stCondLst>
+                      <p:childTnLst>
+                        <p:par>
+                          <p:cTn id="4" fill="hold">
+                            <p:stCondLst>
+                              <p:cond delay="0"/>
+                            </p:stCondLst>
+                            <p:childTnLst>
+                              <p:par>
+                                <p:cTn id="5" presetID="3" presetClass="emph" presetSubtype="2" fill="hold" grpId="0" nodeType="clickEffect">
+                                  <p:stCondLst>
+                                    <p:cond delay="0"/>
+                                  </p:stCondLst>
+                                  <p:childTnLst>
+                                    <p:animClr clrSpc="rgb" dir="cw">
+                                      <p:cBhvr override="childStyle">
+                                        <p:cTn id="6" dur="250" fill="hold"/>
+                                        <p:tgtEl>
+                                          <p:spTgt spid="33"/>
+                                        </p:tgtEl>
+                                        <p:attrNameLst>
+                                          <p:attrName>style.color</p:attrName>
+                                        </p:attrNameLst>
+                                      </p:cBhvr>
+                                      <p:to>
+                                        <a:schemeClr val="bg1"/>
+                                      </p:to>
+                                    </p:animClr>
+                                  </p:childTnLst>
+                                </p:cTn>
+                              </p:par>
+                            </p:childTnLst>
+                          </p:cTn>
+                        </p:par>
+                      </p:childTnLst>
+                    </p:cTn>
+                  </p:par>
+                  <p:par>
+                    <p:cTn id="7" fill="hold">
+                      <p:stCondLst>
+                        <p:cond delay="indefinite"/>
+                      </p:stCondLst>
+                      <p:childTnLst>
+                        <p:par>
+                          <p:cTn id="8" fill="hold">
+                            <p:stCondLst>
+                              <p:cond delay="0"/>
+                            </p:stCondLst>
+                            <p:childTnLst>
+                              <p:par>
+                                <p:cTn id="9" presetID="3" presetClass="emph" presetSubtype="2" fill="hold" grpId="0" nodeType="clickEffect">
+                                  <p:stCondLst>
+                                    <p:cond delay="0"/>
+                                  </p:stCondLst>
+                                  <p:childTnLst>
+                                    <p:animClr clrSpc="rgb" dir="cw">
+                                      <p:cBhvr override="childStyle">
+                                        <p:cTn id="10" dur="250" fill="hold"/>
+                                        <p:tgtEl>
+                                          <p:spTgt spid="34"/>
+                                        </p:tgtEl>
+                                        <p:attrNameLst>
+                                          <p:attrName>style.color</p:attrName>
+                                        </p:attrNameLst>
+                                      </p:cBhvr>
+                                      <p:to>
+                                        <a:schemeClr val="bg1"/>
+                                      </p:to>
+                                    </p:animClr>
+                                  </p:childTnLst>
+                                </p:cTn>
+                              </p:par>
+                            </p:childTnLst>
+                          </p:cTn>
+                        </p:par>
+                      </p:childTnLst>
+                    </p:cTn>
+                  </p:par>
+                  <p:par>
+                    <p:cTn id="11" fill="hold">
+                      <p:stCondLst>
+                        <p:cond delay="indefinite"/>
+                      </p:stCondLst>
+                      <p:childTnLst>
+                        <p:par>
+                          <p:cTn id="12" fill="hold">
+                            <p:stCondLst>
+                              <p:cond delay="0"/>
+                            </p:stCondLst>
+                            <p:childTnLst>
+                              <p:par>
+                                <p:cTn id="13" presetID="3" presetClass="emph" presetSubtype="2" fill="hold" grpId="0" nodeType="clickEffect">
+                                  <p:stCondLst>
+                                    <p:cond delay="0"/>
+                                  </p:stCondLst>
+                                  <p:childTnLst>
+                                    <p:animClr clrSpc="rgb" dir="cw">
+                                      <p:cBhvr override="childStyle">
+                                        <p:cTn id="14" dur="250" fill="hold"/>
+                                        <p:tgtEl>
+                                          <p:spTgt spid="35"/>
+                                        </p:tgtEl>
+                                        <p:attrNameLst>
+                                          <p:attrName>style.color</p:attrName>
+                                        </p:attrNameLst>
+                                      </p:cBhvr>
+                                      <p:to>
+                                        <a:schemeClr val="bg1"/>
+                                      </p:to>
+                                    </p:animClr>
+                                  </p:childTnLst>
+                                </p:cTn>
+                              </p:par>
+                            </p:childTnLst>
+                          </p:cTn>
+                        </p:par>
+                      </p:childTnLst>
+                    </p:cTn>
+                  </p:par>
+                  <p:par>
+                    <p:cTn id="15" fill="hold">
+                      <p:stCondLst>
+                        <p:cond delay="indefinite"/>
+                      </p:stCondLst>
+                      <p:childTnLst>
+                        <p:par>
+                          <p:cTn id="16" fill="hold">
+                            <p:stCondLst>
+                              <p:cond delay="0"/>
+                            </p:stCondLst>
+                            <p:childTnLst>
+                              <p:par>
+                                <p:cTn id="17" presetID="3" presetClass="emph" presetSubtype="2" fill="hold" grpId="0" nodeType="clickEffect">
+                                  <p:stCondLst>
+                                    <p:cond delay="0"/>
+                                  </p:stCondLst>
+                                  <p:childTnLst>
+                                    <p:animClr clrSpc="rgb" dir="cw">
+                                      <p:cBhvr override="childStyle">
+                                        <p:cTn id="18" dur="250" fill="hold"/>
+                                        <p:tgtEl>
+                                          <p:spTgt spid="36"/>
+                                        </p:tgtEl>
+                                        <p:attrNameLst>
+                                          <p:attrName>style.color</p:attrName>
+                                        </p:attrNameLst>
+                                      </p:cBhvr>
+                                      <p:to>
+                                        <a:schemeClr val="bg1"/>
+                                      </p:to>
+                                    </p:animClr>
+                                  </p:childTnLst>
+                                </p:cTn>
+                              </p:par>
+                            </p:childTnLst>
+                          </p:cTn>
+                        </p:par>
+                      </p:childTnLst>
+                    </p:cTn>
+                  </p:par>
+                  <p:par>
+                    <p:cTn id="19" fill="hold">
+                      <p:stCondLst>
+                        <p:cond delay="indefinite"/>
+                      </p:stCondLst>
+                      <p:childTnLst>
+                        <p:par>
+                          <p:cTn id="20" fill="hold">
+                            <p:stCondLst>
+                              <p:cond delay="0"/>
+                            </p:stCondLst>
+                            <p:childTnLst>
+                              <p:par>
+                                <p:cTn id="21" presetID="3" presetClass="emph" presetSubtype="2" fill="hold" grpId="0" nodeType="clickEffect">
+                                  <p:stCondLst>
+                                    <p:cond delay="0"/>
+                                  </p:stCondLst>
+                                  <p:childTnLst>
+                                    <p:animClr clrSpc="rgb" dir="cw">
+                                      <p:cBhvr override="childStyle">
+                                        <p:cTn id="22" dur="250" fill="hold"/>
+                                        <p:tgtEl>
+                                          <p:spTgt spid="37"/>
+                                        </p:tgtEl>
+                                        <p:attrNameLst>
+                                          <p:attrName>style.color</p:attrName>
+                                        </p:attrNameLst>
+                                      </p:cBhvr>
+                                      <p:to>
+                                        <a:schemeClr val="bg1"/>
+                                      </p:to>
+                                    </p:animClr>
+                                  </p:childTnLst>
+                                </p:cTn>
+                              </p:par>
+                            </p:childTnLst>
+                          </p:cTn>
+                        </p:par>
+                      </p:childTnLst>
+                    </p:cTn>
+                  </p:par>
+                  <p:par>
+                    <p:cTn id="23" fill="hold">
+                      <p:stCondLst>
+                        <p:cond delay="indefinite"/>
+                      </p:stCondLst>
+                      <p:childTnLst>
+                        <p:par>
+                          <p:cTn id="24" fill="hold">
+                            <p:stCondLst>
+                              <p:cond delay="0"/>
+                            </p:stCondLst>
+                            <p:childTnLst>
+                              <p:par>
+                                <p:cTn id="25" presetID="3" presetClass="emph" presetSubtype="2" fill="hold" grpId="0" nodeType="clickEffect">
+                                  <p:stCondLst>
+                                    <p:cond delay="0"/>
+                                  </p:stCondLst>
+                                  <p:childTnLst>
+                                    <p:animClr clrSpc="rgb" dir="cw">
+                                      <p:cBhvr override="childStyle">
+                                        <p:cTn id="26" dur="250" fill="hold"/>
+                                        <p:tgtEl>
+                                          <p:spTgt spid="38"/>
+                                        </p:tgtEl>
+                                        <p:attrNameLst>
+                                          <p:attrName>style.color</p:attrName>
+                                        </p:attrNameLst>
+                                      </p:cBhvr>
+                                      <p:to>
+                                        <a:schemeClr val="bg1"/>
+                                      </p:to>
+                                    </p:animClr>
+                                  </p:childTnLst>
+                                </p:cTn>
+                              </p:par>
+                            </p:childTnLst>
+                          </p:cTn>
+                        </p:par>
+                      </p:childTnLst>
+                    </p:cTn>
+                  </p:par>
+                  <p:par>
+                    <p:cTn id="27" fill="hold">
+                      <p:stCondLst>
+                        <p:cond delay="indefinite"/>
+                      </p:stCondLst>
+                      <p:childTnLst>
+                        <p:par>
+                          <p:cTn id="28" fill="hold">
+                            <p:stCondLst>
+                              <p:cond delay="0"/>
+                            </p:stCondLst>
+                            <p:childTnLst>
+                              <p:par>
+                                <p:cTn id="29" presetID="3" presetClass="emph" presetSubtype="2" fill="hold" grpId="0" nodeType="clickEffect">
+                                  <p:stCondLst>
+                                    <p:cond delay="0"/>
+                                  </p:stCondLst>
+                                  <p:childTnLst>
+                                    <p:animClr clrSpc="rgb" dir="cw">
+                                      <p:cBhvr override="childStyle">
+                                        <p:cTn id="30" dur="250" fill="hold"/>
+                                        <p:tgtEl>
+                                          <p:spTgt spid="39"/>
+                                        </p:tgtEl>
+                                        <p:attrNameLst>
+                                          <p:attrName>style.color</p:attrName>
+                                        </p:attrNameLst>
+                                      </p:cBhvr>
+                                      <p:to>
+                                        <a:schemeClr val="bg1"/>
+                                      </p:to>
+                                    </p:animClr>
+                                  </p:childTnLst>
+                                </p:cTn>
+                              </p:par>
+                            </p:childTnLst>
+                          </p:cTn>
+                        </p:par>
+                      </p:childTnLst>
+                    </p:cTn>
+                  </p:par>
+                  <p:par>
+                    <p:cTn id="31" fill="hold">
+                      <p:stCondLst>
+                        <p:cond delay="indefinite"/>
+                      </p:stCondLst>
+                      <p:childTnLst>
+                        <p:par>
+                          <p:cTn id="32" fill="hold">
+                            <p:stCondLst>
+                              <p:cond delay="0"/>
+                            </p:stCondLst>
+                            <p:childTnLst>
+                              <p:par>
+                                <p:cTn id="33" presetID="3" presetClass="emph" presetSubtype="2" fill="hold" grpId="0" nodeType="clickEffect">
+                                  <p:stCondLst>
+                                    <p:cond delay="0"/>
+                                  </p:stCondLst>
+                                  <p:childTnLst>
+                                    <p:animClr clrSpc="rgb" dir="cw">
+                                      <p:cBhvr override="childStyle">
+                                        <p:cTn id="34" dur="250" fill="hold"/>
+                                        <p:tgtEl>
+                                          <p:spTgt spid="40"/>
+                                        </p:tgtEl>
+                                        <p:attrNameLst>
+                                          <p:attrName>style.color</p:attrName>
+                                        </p:attrNameLst>
+                                      </p:cBhvr>
+                                      <p:to>
+                                        <a:schemeClr val="bg1"/>
+                                      </p:to>
+                                    </p:animClr>
+                                  </p:childTnLst>
+                                </p:cTn>
+                              </p:par>
+                            </p:childTnLst>
+                          </p:cTn>
+                        </p:par>
+                      </p:childTnLst>
+                    </p:cTn>
+                  </p:par>
+                  <p:par>
+                    <p:cTn id="35" fill="hold">
+                      <p:stCondLst>
+                        <p:cond delay="indefinite"/>
+                      </p:stCondLst>
+                      <p:childTnLst>
+                        <p:par>
+                          <p:cTn id="36" fill="hold">
+                            <p:stCondLst>
+                              <p:cond delay="0"/>
+                            </p:stCondLst>
+                            <p:childTnLst>
+                              <p:par>
+                                <p:cTn id="37" presetID="3" presetClass="emph" presetSubtype="2" fill="hold" grpId="0" nodeType="clickEffect">
+                                  <p:stCondLst>
+                                    <p:cond delay="0"/>
+                                  </p:stCondLst>
+                                  <p:childTnLst>
+                                    <p:animClr clrSpc="rgb" dir="cw">
+                                      <p:cBhvr override="childStyle">
+                                        <p:cTn id="38" dur="250" fill="hold"/>
+                                        <p:tgtEl>
+                                          <p:spTgt spid="49"/>
+                                        </p:tgtEl>
+                                        <p:attrNameLst>
+                                          <p:attrName>style.color</p:attrName>
+                                        </p:attrNameLst>
+                                      </p:cBhvr>
+                                      <p:to>
+                                        <a:schemeClr val="bg1"/>
+                                      </p:to>
+                                    </p:animClr>
+                                  </p:childTnLst>
+                                </p:cTn>
+                              </p:par>
+                            </p:childTnLst>
+                          </p:cTn>
+                        </p:par>
+                      </p:childTnLst>
+                    </p:cTn>
+                  </p:par>
+                  <p:par>
+                    <p:cTn id="39" fill="hold">
+                      <p:stCondLst>
+                        <p:cond delay="indefinite"/>
+                      </p:stCondLst>
+                      <p:childTnLst>
+                        <p:par>
+                          <p:cTn id="40" fill="hold">
+                            <p:stCondLst>
+                              <p:cond delay="0"/>
+                            </p:stCondLst>
+                            <p:childTnLst>
+                              <p:par>
+                                <p:cTn id="41" presetID="3" presetClass="emph" presetSubtype="2" fill="hold" grpId="0" nodeType="clickEffect">
+                                  <p:stCondLst>
+                                    <p:cond delay="0"/>
+                                  </p:stCondLst>
+                                  <p:childTnLst>
+                                    <p:animClr clrSpc="rgb" dir="cw">
+                                      <p:cBhvr override="childStyle">
+                                        <p:cTn id="42" dur="250" fill="hold"/>
+                                        <p:tgtEl>
+                                          <p:spTgt spid="50"/>
+                                        </p:tgtEl>
+                                        <p:attrNameLst>
+                                          <p:attrName>style.color</p:attrName>
+                                        </p:attrNameLst>
+                                      </p:cBhvr>
+                                      <p:to>
+                                        <a:schemeClr val="bg1"/>
+                                      </p:to>
+                                    </p:animClr>
+                                  </p:childTnLst>
+                                </p:cTn>
+                              </p:par>
+                            </p:childTnLst>
+                          </p:cTn>
+                        </p:par>
+                      </p:childTnLst>
+                    </p:cTn>
+                  </p:par>
+                </p:childTnLst>
+              </p:cTn>
+              <p:prevCondLst>
+                <p:cond evt="onPrev" delay="0">
+                  <p:tgtEl>
+                    <p:sldTgt/>
+                  </p:tgtEl>
+                </p:cond>
+              </p:prevCondLst>
+              <p:nextCondLst>
+                <p:cond evt="onNext" delay="0">
+                  <p:tgtEl>
+                    <p:sldTgt/>
+                  </p:tgtEl>
+                </p:cond>
+              </p:nextCondLst>
+            </p:seq>
+          </p:childTnLst>
+        </p:cTn>
+      </p:par>
+    </p:tnLst>
+    <p:bldLst>
+      <p:bldP spid="33" grpId="0"/>
+      <p:bldP spid="34" grpId="0"/>
+      <p:bldP spid="35" grpId="0"/>
+      <p:bldP spid="36" grpId="0"/>
+      <p:bldP spid="37" grpId="0"/>
+      <p:bldP spid="38" grpId="0"/>
+      <p:bldP spid="39" grpId="0"/>
+      <p:bldP spid="40" grpId="0"/>
+      <p:bldP spid="49" grpId="0"/>
+      <p:bldP spid="50" grpId="0"/>
+    </p:bldLst>
+  </p:timing>
 </p:sld>
 </file>
 
@@ -15752,10 +19249,10 @@
         </p:nvSpPr>
         <p:spPr>
           <a:xfrm>
-            <a:off x="4355837" y="3520388"/>
-            <a:ext cx="2780512" cy="1952806"/>
+            <a:off x="4339579" y="3429000"/>
+            <a:ext cx="2890035" cy="2160551"/>
           </a:xfrm>
-          <a:prstGeom prst="rect">
+          <a:prstGeom prst="roundRect">
             <a:avLst/>
           </a:prstGeom>
           <a:solidFill>
@@ -16038,7 +19535,7 @@
         </p:nvSpPr>
         <p:spPr>
           <a:xfrm>
-            <a:off x="7250634" y="4237086"/>
+            <a:off x="7353841" y="4221088"/>
             <a:ext cx="142876" cy="857256"/>
           </a:xfrm>
           <a:prstGeom prst="rightBrace">
@@ -16081,7 +19578,7 @@
         </p:nvSpPr>
         <p:spPr>
           <a:xfrm>
-            <a:off x="7536387" y="4451400"/>
+            <a:off x="7639594" y="4435402"/>
             <a:ext cx="2232021" cy="369332"/>
           </a:xfrm>
           <a:prstGeom prst="rect">
@@ -16110,7 +19607,7 @@
         </p:nvCxnSpPr>
         <p:spPr>
           <a:xfrm rot="5400000">
-            <a:off x="4564961" y="5536590"/>
+            <a:off x="4657774" y="5559366"/>
             <a:ext cx="285752" cy="1588"/>
           </a:xfrm>
           <a:prstGeom prst="line">
@@ -16145,7 +19642,7 @@
         </p:nvSpPr>
         <p:spPr>
           <a:xfrm>
-            <a:off x="4564168" y="5739556"/>
+            <a:off x="4656981" y="5762332"/>
             <a:ext cx="3369833" cy="369332"/>
           </a:xfrm>
           <a:prstGeom prst="rect">
@@ -18974,7 +22471,7 @@
                 <a:latin typeface="Consolas" pitchFamily="49" charset="0"/>
                 <a:cs typeface="Consolas" pitchFamily="49" charset="0"/>
               </a:rPr>
-              <a:t>somaTempo</a:t>
+              <a:t>SomaTempo</a:t>
             </a:r>
             <a:r>
               <a:rPr lang="pt-BR" dirty="0">
@@ -19026,7 +22523,7 @@
           </a:p>
           <a:p>
             <a:r>
-              <a:rPr lang="pt-BR" dirty="0" err="1">
+              <a:rPr lang="pt-BR" dirty="0">
                 <a:solidFill>
                   <a:schemeClr val="accent3">
                     <a:lumMod val="75000"/>
@@ -19049,7 +22546,7 @@
                 <a:latin typeface="Consolas" pitchFamily="49" charset="0"/>
                 <a:cs typeface="Consolas" pitchFamily="49" charset="0"/>
               </a:rPr>
-              <a:t>mostraTempo</a:t>
+              <a:t>MostraTempo</a:t>
             </a:r>
             <a:r>
               <a:rPr lang="pt-BR" dirty="0">
@@ -19990,7 +23487,7 @@
                 <a:latin typeface="Consolas" pitchFamily="49" charset="0"/>
                 <a:cs typeface="Consolas" pitchFamily="49" charset="0"/>
               </a:rPr>
-              <a:t>somaTempo</a:t>
+              <a:t>SomaTempo</a:t>
             </a:r>
             <a:r>
               <a:rPr lang="pt-BR" sz="1600" dirty="0">
@@ -26262,7 +29759,10 @@
             <a:r>
               <a:rPr lang="pt-BR" sz="1600" dirty="0">
                 <a:solidFill>
-                  <a:schemeClr val="accent3"/>
+                  <a:schemeClr val="accent3">
+                    <a:lumMod val="60000"/>
+                    <a:lumOff val="40000"/>
+                  </a:schemeClr>
                 </a:solidFill>
                 <a:latin typeface="Consolas" pitchFamily="49" charset="0"/>
                 <a:cs typeface="Consolas" pitchFamily="49" charset="0"/>
@@ -26281,7 +29781,10 @@
             <a:r>
               <a:rPr lang="pt-BR" sz="1600" dirty="0">
                 <a:solidFill>
-                  <a:schemeClr val="accent3"/>
+                  <a:schemeClr val="accent3">
+                    <a:lumMod val="60000"/>
+                    <a:lumOff val="40000"/>
+                  </a:schemeClr>
                 </a:solidFill>
                 <a:latin typeface="Consolas" pitchFamily="49" charset="0"/>
                 <a:cs typeface="Consolas" pitchFamily="49" charset="0"/>
@@ -26300,7 +29803,10 @@
             <a:r>
               <a:rPr lang="pt-BR" sz="1600" dirty="0">
                 <a:solidFill>
-                  <a:schemeClr val="accent3"/>
+                  <a:schemeClr val="accent3">
+                    <a:lumMod val="60000"/>
+                    <a:lumOff val="40000"/>
+                  </a:schemeClr>
                 </a:solidFill>
                 <a:latin typeface="Consolas" pitchFamily="49" charset="0"/>
                 <a:cs typeface="Consolas" pitchFamily="49" charset="0"/>
@@ -26319,7 +29825,10 @@
             <a:r>
               <a:rPr lang="pt-BR" sz="1600" dirty="0" err="1">
                 <a:solidFill>
-                  <a:schemeClr val="accent3"/>
+                  <a:schemeClr val="accent3">
+                    <a:lumMod val="60000"/>
+                    <a:lumOff val="40000"/>
+                  </a:schemeClr>
                 </a:solidFill>
                 <a:latin typeface="Consolas" pitchFamily="49" charset="0"/>
                 <a:cs typeface="Consolas" pitchFamily="49" charset="0"/>
@@ -26328,7 +29837,10 @@
             </a:r>
             <a:endParaRPr lang="pt-BR" sz="1600" dirty="0">
               <a:solidFill>
-                <a:schemeClr val="accent3"/>
+                <a:schemeClr val="accent3">
+                  <a:lumMod val="60000"/>
+                  <a:lumOff val="40000"/>
+                </a:schemeClr>
               </a:solidFill>
               <a:latin typeface="Consolas" pitchFamily="49" charset="0"/>
               <a:cs typeface="Consolas" pitchFamily="49" charset="0"/>
@@ -26345,7 +29857,10 @@
             <a:r>
               <a:rPr lang="pt-BR" sz="1600" dirty="0">
                 <a:solidFill>
-                  <a:schemeClr val="accent3"/>
+                  <a:schemeClr val="accent3">
+                    <a:lumMod val="60000"/>
+                    <a:lumOff val="40000"/>
+                  </a:schemeClr>
                 </a:solidFill>
                 <a:latin typeface="Consolas" pitchFamily="49" charset="0"/>
                 <a:cs typeface="Consolas" pitchFamily="49" charset="0"/>
@@ -31231,7 +34746,7 @@
                 <a:latin typeface="Consolas" pitchFamily="49" charset="0"/>
                 <a:cs typeface="Consolas" pitchFamily="49" charset="0"/>
               </a:rPr>
-              <a:t>           ++</a:t>
+              <a:t>           </a:t>
             </a:r>
             <a:r>
               <a:rPr lang="pt-BR" sz="1600" dirty="0" err="1">
@@ -31245,16 +34760,16 @@
                 <a:latin typeface="Consolas" pitchFamily="49" charset="0"/>
                 <a:cs typeface="Consolas" pitchFamily="49" charset="0"/>
               </a:rPr>
-              <a:t>;</a:t>
-            </a:r>
-          </a:p>
-          <a:p>
-            <a:r>
-              <a:rPr lang="pt-BR" sz="1600" dirty="0">
-                <a:latin typeface="Consolas" pitchFamily="49" charset="0"/>
-                <a:cs typeface="Consolas" pitchFamily="49" charset="0"/>
-              </a:rPr>
-              <a:t>        ++</a:t>
+              <a:t>++;</a:t>
+            </a:r>
+          </a:p>
+          <a:p>
+            <a:r>
+              <a:rPr lang="pt-BR" sz="1600" dirty="0">
+                <a:latin typeface="Consolas" pitchFamily="49" charset="0"/>
+                <a:cs typeface="Consolas" pitchFamily="49" charset="0"/>
+              </a:rPr>
+              <a:t>        </a:t>
             </a:r>
             <a:r>
               <a:rPr lang="pt-BR" sz="1600" dirty="0" err="1">
@@ -31268,7 +34783,7 @@
                 <a:latin typeface="Consolas" pitchFamily="49" charset="0"/>
                 <a:cs typeface="Consolas" pitchFamily="49" charset="0"/>
               </a:rPr>
-              <a:t>;       </a:t>
+              <a:t>++;       </a:t>
             </a:r>
             <a:r>
               <a:rPr lang="pt-BR" sz="1600" dirty="0">
@@ -31426,6 +34941,48 @@
                 <a:cs typeface="Consolas" pitchFamily="49" charset="0"/>
               </a:rPr>
               <a:t>!</a:t>
+            </a:r>
+          </a:p>
+        </p:txBody>
+      </p:sp>
+      <p:sp>
+        <p:nvSpPr>
+          <p:cNvPr id="7" name="CaixaDeTexto 6">
+            <a:extLst>
+              <a:ext uri="{FF2B5EF4-FFF2-40B4-BE49-F238E27FC236}">
+                <a16:creationId xmlns:a16="http://schemas.microsoft.com/office/drawing/2014/main" id="{331CA5EA-54A6-452E-A442-5FE33134D446}"/>
+              </a:ext>
+            </a:extLst>
+          </p:cNvPr>
+          <p:cNvSpPr txBox="1"/>
+          <p:nvPr/>
+        </p:nvSpPr>
+        <p:spPr>
+          <a:xfrm rot="16200000">
+            <a:off x="-714272" y="5774776"/>
+            <a:ext cx="1800200" cy="276999"/>
+          </a:xfrm>
+          <a:prstGeom prst="rect">
+            <a:avLst/>
+          </a:prstGeom>
+          <a:noFill/>
+        </p:spPr>
+        <p:txBody>
+          <a:bodyPr wrap="square" rtlCol="0">
+            <a:spAutoFit/>
+          </a:bodyPr>
+          <a:lstStyle/>
+          <a:p>
+            <a:r>
+              <a:rPr lang="pt-BR" sz="1200" dirty="0">
+                <a:solidFill>
+                  <a:schemeClr val="bg2">
+                    <a:lumMod val="50000"/>
+                  </a:schemeClr>
+                </a:solidFill>
+                <a:latin typeface="+mj-lt"/>
+              </a:rPr>
+              <a:t>// CharEmString.cpp</a:t>
             </a:r>
           </a:p>
         </p:txBody>
